--- a/web/Perguntas_e_Respostas/Informatica/ADS/0003_Organização e Arquitetura de Computadores/0004_Unidade04.pptx
+++ b/web/Perguntas_e_Respostas/Informatica/ADS/0003_Organização e Arquitetura de Computadores/0004_Unidade04.pptx
@@ -5,12 +5,31 @@
     <p:sldMasterId id="2147483659" r:id="rId1"/>
   </p:sldMasterIdLst>
   <p:notesMasterIdLst>
-    <p:notesMasterId r:id="rId5"/>
+    <p:notesMasterId r:id="rId24"/>
   </p:notesMasterIdLst>
   <p:sldIdLst>
     <p:sldId id="256" r:id="rId2"/>
     <p:sldId id="265" r:id="rId3"/>
-    <p:sldId id="268" r:id="rId4"/>
+    <p:sldId id="269" r:id="rId4"/>
+    <p:sldId id="270" r:id="rId5"/>
+    <p:sldId id="271" r:id="rId6"/>
+    <p:sldId id="272" r:id="rId7"/>
+    <p:sldId id="273" r:id="rId8"/>
+    <p:sldId id="274" r:id="rId9"/>
+    <p:sldId id="275" r:id="rId10"/>
+    <p:sldId id="276" r:id="rId11"/>
+    <p:sldId id="277" r:id="rId12"/>
+    <p:sldId id="278" r:id="rId13"/>
+    <p:sldId id="279" r:id="rId14"/>
+    <p:sldId id="280" r:id="rId15"/>
+    <p:sldId id="281" r:id="rId16"/>
+    <p:sldId id="282" r:id="rId17"/>
+    <p:sldId id="283" r:id="rId18"/>
+    <p:sldId id="284" r:id="rId19"/>
+    <p:sldId id="285" r:id="rId20"/>
+    <p:sldId id="286" r:id="rId21"/>
+    <p:sldId id="287" r:id="rId22"/>
+    <p:sldId id="268" r:id="rId23"/>
   </p:sldIdLst>
   <p:sldSz cx="8959850" cy="5040313"/>
   <p:notesSz cx="6858000" cy="9144000"/>
@@ -1639,7 +1658,7 @@
 </p:notes>
 </file>
 
-<file path=ppt/notesSlides/notesSlide2.xml><?xml version="1.0" encoding="utf-8"?>
+<file path=ppt/notesSlides/notesSlide10.xml><?xml version="1.0" encoding="utf-8"?>
 <p:notes xmlns:a="http://schemas.openxmlformats.org/drawingml/2006/main" xmlns:r="http://schemas.openxmlformats.org/officeDocument/2006/relationships" xmlns:p="http://schemas.openxmlformats.org/presentationml/2006/main" showMasterSp="0" showMasterPhAnim="0">
   <p:cSld>
     <p:spTree>
@@ -1789,7 +1808,7 @@
             </a:pPr>
             <a:fld id="{00000000-1234-1234-1234-123412341234}" type="slidenum">
               <a:rPr lang="pt-BR"/>
-              <a:t>2</a:t>
+              <a:t>10</a:t>
             </a:fld>
             <a:endParaRPr/>
           </a:p>
@@ -1798,7 +1817,7 @@
     </p:spTree>
     <p:extLst>
       <p:ext uri="{BB962C8B-B14F-4D97-AF65-F5344CB8AC3E}">
-        <p14:creationId xmlns:p14="http://schemas.microsoft.com/office/powerpoint/2010/main" val="3036468413"/>
+        <p14:creationId xmlns:p14="http://schemas.microsoft.com/office/powerpoint/2010/main" val="1839053459"/>
       </p:ext>
     </p:extLst>
   </p:cSld>
@@ -1808,12 +1827,12 @@
 </p:notes>
 </file>
 
-<file path=ppt/notesSlides/notesSlide3.xml><?xml version="1.0" encoding="utf-8"?>
+<file path=ppt/notesSlides/notesSlide11.xml><?xml version="1.0" encoding="utf-8"?>
 <p:notes xmlns:a="http://schemas.openxmlformats.org/drawingml/2006/main" xmlns:r="http://schemas.openxmlformats.org/officeDocument/2006/relationships" xmlns:p="http://schemas.openxmlformats.org/presentationml/2006/main" showMasterSp="0" showMasterPhAnim="0">
   <p:cSld>
     <p:spTree>
       <p:nvGrpSpPr>
-        <p:cNvPr id="1" name="Shape 84"/>
+        <p:cNvPr id="1" name="Shape 170"/>
         <p:cNvGrpSpPr/>
         <p:nvPr/>
       </p:nvGrpSpPr>
@@ -1827,7 +1846,7 @@
       </p:grpSpPr>
       <p:sp>
         <p:nvSpPr>
-          <p:cNvPr id="85" name="Google Shape;85;p1:notes"/>
+          <p:cNvPr id="171" name="Google Shape;171;p9:notes"/>
           <p:cNvSpPr>
             <a:spLocks noGrp="1" noRot="1" noChangeAspect="1"/>
           </p:cNvSpPr>
@@ -1878,6 +1897,2034 @@
       </p:sp>
       <p:sp>
         <p:nvSpPr>
+          <p:cNvPr id="172" name="Google Shape;172;p9:notes"/>
+          <p:cNvSpPr txBox="1">
+            <a:spLocks noGrp="1"/>
+          </p:cNvSpPr>
+          <p:nvPr>
+            <p:ph type="body" idx="1"/>
+          </p:nvPr>
+        </p:nvSpPr>
+        <p:spPr>
+          <a:xfrm>
+            <a:off x="685800" y="4343400"/>
+            <a:ext cx="5486400" cy="4114800"/>
+          </a:xfrm>
+          <a:prstGeom prst="rect">
+            <a:avLst/>
+          </a:prstGeom>
+          <a:noFill/>
+          <a:ln>
+            <a:noFill/>
+          </a:ln>
+        </p:spPr>
+        <p:txBody>
+          <a:bodyPr spcFirstLastPara="1" wrap="square" lIns="91425" tIns="45700" rIns="91425" bIns="45700" anchor="t" anchorCtr="0">
+            <a:noAutofit/>
+          </a:bodyPr>
+          <a:lstStyle/>
+          <a:p>
+            <a:pPr marL="0" lvl="0" indent="0" algn="l" rtl="0">
+              <a:spcBef>
+                <a:spcPts val="0"/>
+              </a:spcBef>
+              <a:spcAft>
+                <a:spcPts val="0"/>
+              </a:spcAft>
+              <a:buNone/>
+            </a:pPr>
+            <a:endParaRPr/>
+          </a:p>
+        </p:txBody>
+      </p:sp>
+      <p:sp>
+        <p:nvSpPr>
+          <p:cNvPr id="173" name="Google Shape;173;p9:notes"/>
+          <p:cNvSpPr txBox="1">
+            <a:spLocks noGrp="1"/>
+          </p:cNvSpPr>
+          <p:nvPr>
+            <p:ph type="sldNum" idx="12"/>
+          </p:nvPr>
+        </p:nvSpPr>
+        <p:spPr>
+          <a:xfrm>
+            <a:off x="3885010" y="8684684"/>
+            <a:ext cx="2971800" cy="457200"/>
+          </a:xfrm>
+          <a:prstGeom prst="rect">
+            <a:avLst/>
+          </a:prstGeom>
+          <a:noFill/>
+          <a:ln>
+            <a:noFill/>
+          </a:ln>
+        </p:spPr>
+        <p:txBody>
+          <a:bodyPr spcFirstLastPara="1" wrap="square" lIns="91425" tIns="45700" rIns="91425" bIns="45700" anchor="b" anchorCtr="0">
+            <a:noAutofit/>
+          </a:bodyPr>
+          <a:lstStyle/>
+          <a:p>
+            <a:pPr marL="0" lvl="0" indent="0" algn="r" rtl="0">
+              <a:spcBef>
+                <a:spcPts val="0"/>
+              </a:spcBef>
+              <a:spcAft>
+                <a:spcPts val="0"/>
+              </a:spcAft>
+              <a:buNone/>
+            </a:pPr>
+            <a:fld id="{00000000-1234-1234-1234-123412341234}" type="slidenum">
+              <a:rPr lang="pt-BR"/>
+              <a:t>11</a:t>
+            </a:fld>
+            <a:endParaRPr/>
+          </a:p>
+        </p:txBody>
+      </p:sp>
+    </p:spTree>
+    <p:extLst>
+      <p:ext uri="{BB962C8B-B14F-4D97-AF65-F5344CB8AC3E}">
+        <p14:creationId xmlns:p14="http://schemas.microsoft.com/office/powerpoint/2010/main" val="2070667417"/>
+      </p:ext>
+    </p:extLst>
+  </p:cSld>
+  <p:clrMapOvr>
+    <a:masterClrMapping/>
+  </p:clrMapOvr>
+</p:notes>
+</file>
+
+<file path=ppt/notesSlides/notesSlide12.xml><?xml version="1.0" encoding="utf-8"?>
+<p:notes xmlns:a="http://schemas.openxmlformats.org/drawingml/2006/main" xmlns:r="http://schemas.openxmlformats.org/officeDocument/2006/relationships" xmlns:p="http://schemas.openxmlformats.org/presentationml/2006/main" showMasterSp="0" showMasterPhAnim="0">
+  <p:cSld>
+    <p:spTree>
+      <p:nvGrpSpPr>
+        <p:cNvPr id="1" name="Shape 170"/>
+        <p:cNvGrpSpPr/>
+        <p:nvPr/>
+      </p:nvGrpSpPr>
+      <p:grpSpPr>
+        <a:xfrm>
+          <a:off x="0" y="0"/>
+          <a:ext cx="0" cy="0"/>
+          <a:chOff x="0" y="0"/>
+          <a:chExt cx="0" cy="0"/>
+        </a:xfrm>
+      </p:grpSpPr>
+      <p:sp>
+        <p:nvSpPr>
+          <p:cNvPr id="171" name="Google Shape;171;p9:notes"/>
+          <p:cNvSpPr>
+            <a:spLocks noGrp="1" noRot="1" noChangeAspect="1"/>
+          </p:cNvSpPr>
+          <p:nvPr>
+            <p:ph type="sldImg" idx="2"/>
+          </p:nvPr>
+        </p:nvSpPr>
+        <p:spPr>
+          <a:xfrm>
+            <a:off x="382588" y="685800"/>
+            <a:ext cx="6092825" cy="3429000"/>
+          </a:xfrm>
+          <a:custGeom>
+            <a:avLst/>
+            <a:gdLst/>
+            <a:ahLst/>
+            <a:cxnLst/>
+            <a:rect l="l" t="t" r="r" b="b"/>
+            <a:pathLst>
+              <a:path w="120000" h="120000" extrusionOk="0">
+                <a:moveTo>
+                  <a:pt x="0" y="0"/>
+                </a:moveTo>
+                <a:lnTo>
+                  <a:pt x="120000" y="0"/>
+                </a:lnTo>
+                <a:lnTo>
+                  <a:pt x="120000" y="120000"/>
+                </a:lnTo>
+                <a:lnTo>
+                  <a:pt x="0" y="120000"/>
+                </a:lnTo>
+                <a:close/>
+              </a:path>
+            </a:pathLst>
+          </a:custGeom>
+          <a:noFill/>
+          <a:ln w="12700" cap="flat" cmpd="sng">
+            <a:solidFill>
+              <a:srgbClr val="000000"/>
+            </a:solidFill>
+            <a:prstDash val="solid"/>
+            <a:round/>
+            <a:headEnd type="none" w="sm" len="sm"/>
+            <a:tailEnd type="none" w="sm" len="sm"/>
+          </a:ln>
+        </p:spPr>
+      </p:sp>
+      <p:sp>
+        <p:nvSpPr>
+          <p:cNvPr id="172" name="Google Shape;172;p9:notes"/>
+          <p:cNvSpPr txBox="1">
+            <a:spLocks noGrp="1"/>
+          </p:cNvSpPr>
+          <p:nvPr>
+            <p:ph type="body" idx="1"/>
+          </p:nvPr>
+        </p:nvSpPr>
+        <p:spPr>
+          <a:xfrm>
+            <a:off x="685800" y="4343400"/>
+            <a:ext cx="5486400" cy="4114800"/>
+          </a:xfrm>
+          <a:prstGeom prst="rect">
+            <a:avLst/>
+          </a:prstGeom>
+          <a:noFill/>
+          <a:ln>
+            <a:noFill/>
+          </a:ln>
+        </p:spPr>
+        <p:txBody>
+          <a:bodyPr spcFirstLastPara="1" wrap="square" lIns="91425" tIns="45700" rIns="91425" bIns="45700" anchor="t" anchorCtr="0">
+            <a:noAutofit/>
+          </a:bodyPr>
+          <a:lstStyle/>
+          <a:p>
+            <a:pPr marL="0" lvl="0" indent="0" algn="l" rtl="0">
+              <a:spcBef>
+                <a:spcPts val="0"/>
+              </a:spcBef>
+              <a:spcAft>
+                <a:spcPts val="0"/>
+              </a:spcAft>
+              <a:buNone/>
+            </a:pPr>
+            <a:endParaRPr/>
+          </a:p>
+        </p:txBody>
+      </p:sp>
+      <p:sp>
+        <p:nvSpPr>
+          <p:cNvPr id="173" name="Google Shape;173;p9:notes"/>
+          <p:cNvSpPr txBox="1">
+            <a:spLocks noGrp="1"/>
+          </p:cNvSpPr>
+          <p:nvPr>
+            <p:ph type="sldNum" idx="12"/>
+          </p:nvPr>
+        </p:nvSpPr>
+        <p:spPr>
+          <a:xfrm>
+            <a:off x="3885010" y="8684684"/>
+            <a:ext cx="2971800" cy="457200"/>
+          </a:xfrm>
+          <a:prstGeom prst="rect">
+            <a:avLst/>
+          </a:prstGeom>
+          <a:noFill/>
+          <a:ln>
+            <a:noFill/>
+          </a:ln>
+        </p:spPr>
+        <p:txBody>
+          <a:bodyPr spcFirstLastPara="1" wrap="square" lIns="91425" tIns="45700" rIns="91425" bIns="45700" anchor="b" anchorCtr="0">
+            <a:noAutofit/>
+          </a:bodyPr>
+          <a:lstStyle/>
+          <a:p>
+            <a:pPr marL="0" lvl="0" indent="0" algn="r" rtl="0">
+              <a:spcBef>
+                <a:spcPts val="0"/>
+              </a:spcBef>
+              <a:spcAft>
+                <a:spcPts val="0"/>
+              </a:spcAft>
+              <a:buNone/>
+            </a:pPr>
+            <a:fld id="{00000000-1234-1234-1234-123412341234}" type="slidenum">
+              <a:rPr lang="pt-BR"/>
+              <a:t>12</a:t>
+            </a:fld>
+            <a:endParaRPr/>
+          </a:p>
+        </p:txBody>
+      </p:sp>
+    </p:spTree>
+    <p:extLst>
+      <p:ext uri="{BB962C8B-B14F-4D97-AF65-F5344CB8AC3E}">
+        <p14:creationId xmlns:p14="http://schemas.microsoft.com/office/powerpoint/2010/main" val="814772017"/>
+      </p:ext>
+    </p:extLst>
+  </p:cSld>
+  <p:clrMapOvr>
+    <a:masterClrMapping/>
+  </p:clrMapOvr>
+</p:notes>
+</file>
+
+<file path=ppt/notesSlides/notesSlide13.xml><?xml version="1.0" encoding="utf-8"?>
+<p:notes xmlns:a="http://schemas.openxmlformats.org/drawingml/2006/main" xmlns:r="http://schemas.openxmlformats.org/officeDocument/2006/relationships" xmlns:p="http://schemas.openxmlformats.org/presentationml/2006/main" showMasterSp="0" showMasterPhAnim="0">
+  <p:cSld>
+    <p:spTree>
+      <p:nvGrpSpPr>
+        <p:cNvPr id="1" name="Shape 170"/>
+        <p:cNvGrpSpPr/>
+        <p:nvPr/>
+      </p:nvGrpSpPr>
+      <p:grpSpPr>
+        <a:xfrm>
+          <a:off x="0" y="0"/>
+          <a:ext cx="0" cy="0"/>
+          <a:chOff x="0" y="0"/>
+          <a:chExt cx="0" cy="0"/>
+        </a:xfrm>
+      </p:grpSpPr>
+      <p:sp>
+        <p:nvSpPr>
+          <p:cNvPr id="171" name="Google Shape;171;p9:notes"/>
+          <p:cNvSpPr>
+            <a:spLocks noGrp="1" noRot="1" noChangeAspect="1"/>
+          </p:cNvSpPr>
+          <p:nvPr>
+            <p:ph type="sldImg" idx="2"/>
+          </p:nvPr>
+        </p:nvSpPr>
+        <p:spPr>
+          <a:xfrm>
+            <a:off x="382588" y="685800"/>
+            <a:ext cx="6092825" cy="3429000"/>
+          </a:xfrm>
+          <a:custGeom>
+            <a:avLst/>
+            <a:gdLst/>
+            <a:ahLst/>
+            <a:cxnLst/>
+            <a:rect l="l" t="t" r="r" b="b"/>
+            <a:pathLst>
+              <a:path w="120000" h="120000" extrusionOk="0">
+                <a:moveTo>
+                  <a:pt x="0" y="0"/>
+                </a:moveTo>
+                <a:lnTo>
+                  <a:pt x="120000" y="0"/>
+                </a:lnTo>
+                <a:lnTo>
+                  <a:pt x="120000" y="120000"/>
+                </a:lnTo>
+                <a:lnTo>
+                  <a:pt x="0" y="120000"/>
+                </a:lnTo>
+                <a:close/>
+              </a:path>
+            </a:pathLst>
+          </a:custGeom>
+          <a:noFill/>
+          <a:ln w="12700" cap="flat" cmpd="sng">
+            <a:solidFill>
+              <a:srgbClr val="000000"/>
+            </a:solidFill>
+            <a:prstDash val="solid"/>
+            <a:round/>
+            <a:headEnd type="none" w="sm" len="sm"/>
+            <a:tailEnd type="none" w="sm" len="sm"/>
+          </a:ln>
+        </p:spPr>
+      </p:sp>
+      <p:sp>
+        <p:nvSpPr>
+          <p:cNvPr id="172" name="Google Shape;172;p9:notes"/>
+          <p:cNvSpPr txBox="1">
+            <a:spLocks noGrp="1"/>
+          </p:cNvSpPr>
+          <p:nvPr>
+            <p:ph type="body" idx="1"/>
+          </p:nvPr>
+        </p:nvSpPr>
+        <p:spPr>
+          <a:xfrm>
+            <a:off x="685800" y="4343400"/>
+            <a:ext cx="5486400" cy="4114800"/>
+          </a:xfrm>
+          <a:prstGeom prst="rect">
+            <a:avLst/>
+          </a:prstGeom>
+          <a:noFill/>
+          <a:ln>
+            <a:noFill/>
+          </a:ln>
+        </p:spPr>
+        <p:txBody>
+          <a:bodyPr spcFirstLastPara="1" wrap="square" lIns="91425" tIns="45700" rIns="91425" bIns="45700" anchor="t" anchorCtr="0">
+            <a:noAutofit/>
+          </a:bodyPr>
+          <a:lstStyle/>
+          <a:p>
+            <a:pPr marL="0" lvl="0" indent="0" algn="l" rtl="0">
+              <a:spcBef>
+                <a:spcPts val="0"/>
+              </a:spcBef>
+              <a:spcAft>
+                <a:spcPts val="0"/>
+              </a:spcAft>
+              <a:buNone/>
+            </a:pPr>
+            <a:endParaRPr/>
+          </a:p>
+        </p:txBody>
+      </p:sp>
+      <p:sp>
+        <p:nvSpPr>
+          <p:cNvPr id="173" name="Google Shape;173;p9:notes"/>
+          <p:cNvSpPr txBox="1">
+            <a:spLocks noGrp="1"/>
+          </p:cNvSpPr>
+          <p:nvPr>
+            <p:ph type="sldNum" idx="12"/>
+          </p:nvPr>
+        </p:nvSpPr>
+        <p:spPr>
+          <a:xfrm>
+            <a:off x="3885010" y="8684684"/>
+            <a:ext cx="2971800" cy="457200"/>
+          </a:xfrm>
+          <a:prstGeom prst="rect">
+            <a:avLst/>
+          </a:prstGeom>
+          <a:noFill/>
+          <a:ln>
+            <a:noFill/>
+          </a:ln>
+        </p:spPr>
+        <p:txBody>
+          <a:bodyPr spcFirstLastPara="1" wrap="square" lIns="91425" tIns="45700" rIns="91425" bIns="45700" anchor="b" anchorCtr="0">
+            <a:noAutofit/>
+          </a:bodyPr>
+          <a:lstStyle/>
+          <a:p>
+            <a:pPr marL="0" lvl="0" indent="0" algn="r" rtl="0">
+              <a:spcBef>
+                <a:spcPts val="0"/>
+              </a:spcBef>
+              <a:spcAft>
+                <a:spcPts val="0"/>
+              </a:spcAft>
+              <a:buNone/>
+            </a:pPr>
+            <a:fld id="{00000000-1234-1234-1234-123412341234}" type="slidenum">
+              <a:rPr lang="pt-BR"/>
+              <a:t>13</a:t>
+            </a:fld>
+            <a:endParaRPr/>
+          </a:p>
+        </p:txBody>
+      </p:sp>
+    </p:spTree>
+    <p:extLst>
+      <p:ext uri="{BB962C8B-B14F-4D97-AF65-F5344CB8AC3E}">
+        <p14:creationId xmlns:p14="http://schemas.microsoft.com/office/powerpoint/2010/main" val="1280472655"/>
+      </p:ext>
+    </p:extLst>
+  </p:cSld>
+  <p:clrMapOvr>
+    <a:masterClrMapping/>
+  </p:clrMapOvr>
+</p:notes>
+</file>
+
+<file path=ppt/notesSlides/notesSlide14.xml><?xml version="1.0" encoding="utf-8"?>
+<p:notes xmlns:a="http://schemas.openxmlformats.org/drawingml/2006/main" xmlns:r="http://schemas.openxmlformats.org/officeDocument/2006/relationships" xmlns:p="http://schemas.openxmlformats.org/presentationml/2006/main" showMasterSp="0" showMasterPhAnim="0">
+  <p:cSld>
+    <p:spTree>
+      <p:nvGrpSpPr>
+        <p:cNvPr id="1" name="Shape 170"/>
+        <p:cNvGrpSpPr/>
+        <p:nvPr/>
+      </p:nvGrpSpPr>
+      <p:grpSpPr>
+        <a:xfrm>
+          <a:off x="0" y="0"/>
+          <a:ext cx="0" cy="0"/>
+          <a:chOff x="0" y="0"/>
+          <a:chExt cx="0" cy="0"/>
+        </a:xfrm>
+      </p:grpSpPr>
+      <p:sp>
+        <p:nvSpPr>
+          <p:cNvPr id="171" name="Google Shape;171;p9:notes"/>
+          <p:cNvSpPr>
+            <a:spLocks noGrp="1" noRot="1" noChangeAspect="1"/>
+          </p:cNvSpPr>
+          <p:nvPr>
+            <p:ph type="sldImg" idx="2"/>
+          </p:nvPr>
+        </p:nvSpPr>
+        <p:spPr>
+          <a:xfrm>
+            <a:off x="382588" y="685800"/>
+            <a:ext cx="6092825" cy="3429000"/>
+          </a:xfrm>
+          <a:custGeom>
+            <a:avLst/>
+            <a:gdLst/>
+            <a:ahLst/>
+            <a:cxnLst/>
+            <a:rect l="l" t="t" r="r" b="b"/>
+            <a:pathLst>
+              <a:path w="120000" h="120000" extrusionOk="0">
+                <a:moveTo>
+                  <a:pt x="0" y="0"/>
+                </a:moveTo>
+                <a:lnTo>
+                  <a:pt x="120000" y="0"/>
+                </a:lnTo>
+                <a:lnTo>
+                  <a:pt x="120000" y="120000"/>
+                </a:lnTo>
+                <a:lnTo>
+                  <a:pt x="0" y="120000"/>
+                </a:lnTo>
+                <a:close/>
+              </a:path>
+            </a:pathLst>
+          </a:custGeom>
+          <a:noFill/>
+          <a:ln w="12700" cap="flat" cmpd="sng">
+            <a:solidFill>
+              <a:srgbClr val="000000"/>
+            </a:solidFill>
+            <a:prstDash val="solid"/>
+            <a:round/>
+            <a:headEnd type="none" w="sm" len="sm"/>
+            <a:tailEnd type="none" w="sm" len="sm"/>
+          </a:ln>
+        </p:spPr>
+      </p:sp>
+      <p:sp>
+        <p:nvSpPr>
+          <p:cNvPr id="172" name="Google Shape;172;p9:notes"/>
+          <p:cNvSpPr txBox="1">
+            <a:spLocks noGrp="1"/>
+          </p:cNvSpPr>
+          <p:nvPr>
+            <p:ph type="body" idx="1"/>
+          </p:nvPr>
+        </p:nvSpPr>
+        <p:spPr>
+          <a:xfrm>
+            <a:off x="685800" y="4343400"/>
+            <a:ext cx="5486400" cy="4114800"/>
+          </a:xfrm>
+          <a:prstGeom prst="rect">
+            <a:avLst/>
+          </a:prstGeom>
+          <a:noFill/>
+          <a:ln>
+            <a:noFill/>
+          </a:ln>
+        </p:spPr>
+        <p:txBody>
+          <a:bodyPr spcFirstLastPara="1" wrap="square" lIns="91425" tIns="45700" rIns="91425" bIns="45700" anchor="t" anchorCtr="0">
+            <a:noAutofit/>
+          </a:bodyPr>
+          <a:lstStyle/>
+          <a:p>
+            <a:pPr marL="0" lvl="0" indent="0" algn="l" rtl="0">
+              <a:spcBef>
+                <a:spcPts val="0"/>
+              </a:spcBef>
+              <a:spcAft>
+                <a:spcPts val="0"/>
+              </a:spcAft>
+              <a:buNone/>
+            </a:pPr>
+            <a:endParaRPr/>
+          </a:p>
+        </p:txBody>
+      </p:sp>
+      <p:sp>
+        <p:nvSpPr>
+          <p:cNvPr id="173" name="Google Shape;173;p9:notes"/>
+          <p:cNvSpPr txBox="1">
+            <a:spLocks noGrp="1"/>
+          </p:cNvSpPr>
+          <p:nvPr>
+            <p:ph type="sldNum" idx="12"/>
+          </p:nvPr>
+        </p:nvSpPr>
+        <p:spPr>
+          <a:xfrm>
+            <a:off x="3885010" y="8684684"/>
+            <a:ext cx="2971800" cy="457200"/>
+          </a:xfrm>
+          <a:prstGeom prst="rect">
+            <a:avLst/>
+          </a:prstGeom>
+          <a:noFill/>
+          <a:ln>
+            <a:noFill/>
+          </a:ln>
+        </p:spPr>
+        <p:txBody>
+          <a:bodyPr spcFirstLastPara="1" wrap="square" lIns="91425" tIns="45700" rIns="91425" bIns="45700" anchor="b" anchorCtr="0">
+            <a:noAutofit/>
+          </a:bodyPr>
+          <a:lstStyle/>
+          <a:p>
+            <a:pPr marL="0" lvl="0" indent="0" algn="r" rtl="0">
+              <a:spcBef>
+                <a:spcPts val="0"/>
+              </a:spcBef>
+              <a:spcAft>
+                <a:spcPts val="0"/>
+              </a:spcAft>
+              <a:buNone/>
+            </a:pPr>
+            <a:fld id="{00000000-1234-1234-1234-123412341234}" type="slidenum">
+              <a:rPr lang="pt-BR"/>
+              <a:t>14</a:t>
+            </a:fld>
+            <a:endParaRPr/>
+          </a:p>
+        </p:txBody>
+      </p:sp>
+    </p:spTree>
+    <p:extLst>
+      <p:ext uri="{BB962C8B-B14F-4D97-AF65-F5344CB8AC3E}">
+        <p14:creationId xmlns:p14="http://schemas.microsoft.com/office/powerpoint/2010/main" val="1122662981"/>
+      </p:ext>
+    </p:extLst>
+  </p:cSld>
+  <p:clrMapOvr>
+    <a:masterClrMapping/>
+  </p:clrMapOvr>
+</p:notes>
+</file>
+
+<file path=ppt/notesSlides/notesSlide15.xml><?xml version="1.0" encoding="utf-8"?>
+<p:notes xmlns:a="http://schemas.openxmlformats.org/drawingml/2006/main" xmlns:r="http://schemas.openxmlformats.org/officeDocument/2006/relationships" xmlns:p="http://schemas.openxmlformats.org/presentationml/2006/main" showMasterSp="0" showMasterPhAnim="0">
+  <p:cSld>
+    <p:spTree>
+      <p:nvGrpSpPr>
+        <p:cNvPr id="1" name="Shape 170"/>
+        <p:cNvGrpSpPr/>
+        <p:nvPr/>
+      </p:nvGrpSpPr>
+      <p:grpSpPr>
+        <a:xfrm>
+          <a:off x="0" y="0"/>
+          <a:ext cx="0" cy="0"/>
+          <a:chOff x="0" y="0"/>
+          <a:chExt cx="0" cy="0"/>
+        </a:xfrm>
+      </p:grpSpPr>
+      <p:sp>
+        <p:nvSpPr>
+          <p:cNvPr id="171" name="Google Shape;171;p9:notes"/>
+          <p:cNvSpPr>
+            <a:spLocks noGrp="1" noRot="1" noChangeAspect="1"/>
+          </p:cNvSpPr>
+          <p:nvPr>
+            <p:ph type="sldImg" idx="2"/>
+          </p:nvPr>
+        </p:nvSpPr>
+        <p:spPr>
+          <a:xfrm>
+            <a:off x="382588" y="685800"/>
+            <a:ext cx="6092825" cy="3429000"/>
+          </a:xfrm>
+          <a:custGeom>
+            <a:avLst/>
+            <a:gdLst/>
+            <a:ahLst/>
+            <a:cxnLst/>
+            <a:rect l="l" t="t" r="r" b="b"/>
+            <a:pathLst>
+              <a:path w="120000" h="120000" extrusionOk="0">
+                <a:moveTo>
+                  <a:pt x="0" y="0"/>
+                </a:moveTo>
+                <a:lnTo>
+                  <a:pt x="120000" y="0"/>
+                </a:lnTo>
+                <a:lnTo>
+                  <a:pt x="120000" y="120000"/>
+                </a:lnTo>
+                <a:lnTo>
+                  <a:pt x="0" y="120000"/>
+                </a:lnTo>
+                <a:close/>
+              </a:path>
+            </a:pathLst>
+          </a:custGeom>
+          <a:noFill/>
+          <a:ln w="12700" cap="flat" cmpd="sng">
+            <a:solidFill>
+              <a:srgbClr val="000000"/>
+            </a:solidFill>
+            <a:prstDash val="solid"/>
+            <a:round/>
+            <a:headEnd type="none" w="sm" len="sm"/>
+            <a:tailEnd type="none" w="sm" len="sm"/>
+          </a:ln>
+        </p:spPr>
+      </p:sp>
+      <p:sp>
+        <p:nvSpPr>
+          <p:cNvPr id="172" name="Google Shape;172;p9:notes"/>
+          <p:cNvSpPr txBox="1">
+            <a:spLocks noGrp="1"/>
+          </p:cNvSpPr>
+          <p:nvPr>
+            <p:ph type="body" idx="1"/>
+          </p:nvPr>
+        </p:nvSpPr>
+        <p:spPr>
+          <a:xfrm>
+            <a:off x="685800" y="4343400"/>
+            <a:ext cx="5486400" cy="4114800"/>
+          </a:xfrm>
+          <a:prstGeom prst="rect">
+            <a:avLst/>
+          </a:prstGeom>
+          <a:noFill/>
+          <a:ln>
+            <a:noFill/>
+          </a:ln>
+        </p:spPr>
+        <p:txBody>
+          <a:bodyPr spcFirstLastPara="1" wrap="square" lIns="91425" tIns="45700" rIns="91425" bIns="45700" anchor="t" anchorCtr="0">
+            <a:noAutofit/>
+          </a:bodyPr>
+          <a:lstStyle/>
+          <a:p>
+            <a:pPr marL="0" lvl="0" indent="0" algn="l" rtl="0">
+              <a:spcBef>
+                <a:spcPts val="0"/>
+              </a:spcBef>
+              <a:spcAft>
+                <a:spcPts val="0"/>
+              </a:spcAft>
+              <a:buNone/>
+            </a:pPr>
+            <a:endParaRPr/>
+          </a:p>
+        </p:txBody>
+      </p:sp>
+      <p:sp>
+        <p:nvSpPr>
+          <p:cNvPr id="173" name="Google Shape;173;p9:notes"/>
+          <p:cNvSpPr txBox="1">
+            <a:spLocks noGrp="1"/>
+          </p:cNvSpPr>
+          <p:nvPr>
+            <p:ph type="sldNum" idx="12"/>
+          </p:nvPr>
+        </p:nvSpPr>
+        <p:spPr>
+          <a:xfrm>
+            <a:off x="3885010" y="8684684"/>
+            <a:ext cx="2971800" cy="457200"/>
+          </a:xfrm>
+          <a:prstGeom prst="rect">
+            <a:avLst/>
+          </a:prstGeom>
+          <a:noFill/>
+          <a:ln>
+            <a:noFill/>
+          </a:ln>
+        </p:spPr>
+        <p:txBody>
+          <a:bodyPr spcFirstLastPara="1" wrap="square" lIns="91425" tIns="45700" rIns="91425" bIns="45700" anchor="b" anchorCtr="0">
+            <a:noAutofit/>
+          </a:bodyPr>
+          <a:lstStyle/>
+          <a:p>
+            <a:pPr marL="0" lvl="0" indent="0" algn="r" rtl="0">
+              <a:spcBef>
+                <a:spcPts val="0"/>
+              </a:spcBef>
+              <a:spcAft>
+                <a:spcPts val="0"/>
+              </a:spcAft>
+              <a:buNone/>
+            </a:pPr>
+            <a:fld id="{00000000-1234-1234-1234-123412341234}" type="slidenum">
+              <a:rPr lang="pt-BR"/>
+              <a:t>15</a:t>
+            </a:fld>
+            <a:endParaRPr/>
+          </a:p>
+        </p:txBody>
+      </p:sp>
+    </p:spTree>
+    <p:extLst>
+      <p:ext uri="{BB962C8B-B14F-4D97-AF65-F5344CB8AC3E}">
+        <p14:creationId xmlns:p14="http://schemas.microsoft.com/office/powerpoint/2010/main" val="536051772"/>
+      </p:ext>
+    </p:extLst>
+  </p:cSld>
+  <p:clrMapOvr>
+    <a:masterClrMapping/>
+  </p:clrMapOvr>
+</p:notes>
+</file>
+
+<file path=ppt/notesSlides/notesSlide16.xml><?xml version="1.0" encoding="utf-8"?>
+<p:notes xmlns:a="http://schemas.openxmlformats.org/drawingml/2006/main" xmlns:r="http://schemas.openxmlformats.org/officeDocument/2006/relationships" xmlns:p="http://schemas.openxmlformats.org/presentationml/2006/main" showMasterSp="0" showMasterPhAnim="0">
+  <p:cSld>
+    <p:spTree>
+      <p:nvGrpSpPr>
+        <p:cNvPr id="1" name="Shape 170"/>
+        <p:cNvGrpSpPr/>
+        <p:nvPr/>
+      </p:nvGrpSpPr>
+      <p:grpSpPr>
+        <a:xfrm>
+          <a:off x="0" y="0"/>
+          <a:ext cx="0" cy="0"/>
+          <a:chOff x="0" y="0"/>
+          <a:chExt cx="0" cy="0"/>
+        </a:xfrm>
+      </p:grpSpPr>
+      <p:sp>
+        <p:nvSpPr>
+          <p:cNvPr id="171" name="Google Shape;171;p9:notes"/>
+          <p:cNvSpPr>
+            <a:spLocks noGrp="1" noRot="1" noChangeAspect="1"/>
+          </p:cNvSpPr>
+          <p:nvPr>
+            <p:ph type="sldImg" idx="2"/>
+          </p:nvPr>
+        </p:nvSpPr>
+        <p:spPr>
+          <a:xfrm>
+            <a:off x="382588" y="685800"/>
+            <a:ext cx="6092825" cy="3429000"/>
+          </a:xfrm>
+          <a:custGeom>
+            <a:avLst/>
+            <a:gdLst/>
+            <a:ahLst/>
+            <a:cxnLst/>
+            <a:rect l="l" t="t" r="r" b="b"/>
+            <a:pathLst>
+              <a:path w="120000" h="120000" extrusionOk="0">
+                <a:moveTo>
+                  <a:pt x="0" y="0"/>
+                </a:moveTo>
+                <a:lnTo>
+                  <a:pt x="120000" y="0"/>
+                </a:lnTo>
+                <a:lnTo>
+                  <a:pt x="120000" y="120000"/>
+                </a:lnTo>
+                <a:lnTo>
+                  <a:pt x="0" y="120000"/>
+                </a:lnTo>
+                <a:close/>
+              </a:path>
+            </a:pathLst>
+          </a:custGeom>
+          <a:noFill/>
+          <a:ln w="12700" cap="flat" cmpd="sng">
+            <a:solidFill>
+              <a:srgbClr val="000000"/>
+            </a:solidFill>
+            <a:prstDash val="solid"/>
+            <a:round/>
+            <a:headEnd type="none" w="sm" len="sm"/>
+            <a:tailEnd type="none" w="sm" len="sm"/>
+          </a:ln>
+        </p:spPr>
+      </p:sp>
+      <p:sp>
+        <p:nvSpPr>
+          <p:cNvPr id="172" name="Google Shape;172;p9:notes"/>
+          <p:cNvSpPr txBox="1">
+            <a:spLocks noGrp="1"/>
+          </p:cNvSpPr>
+          <p:nvPr>
+            <p:ph type="body" idx="1"/>
+          </p:nvPr>
+        </p:nvSpPr>
+        <p:spPr>
+          <a:xfrm>
+            <a:off x="685800" y="4343400"/>
+            <a:ext cx="5486400" cy="4114800"/>
+          </a:xfrm>
+          <a:prstGeom prst="rect">
+            <a:avLst/>
+          </a:prstGeom>
+          <a:noFill/>
+          <a:ln>
+            <a:noFill/>
+          </a:ln>
+        </p:spPr>
+        <p:txBody>
+          <a:bodyPr spcFirstLastPara="1" wrap="square" lIns="91425" tIns="45700" rIns="91425" bIns="45700" anchor="t" anchorCtr="0">
+            <a:noAutofit/>
+          </a:bodyPr>
+          <a:lstStyle/>
+          <a:p>
+            <a:pPr marL="0" lvl="0" indent="0" algn="l" rtl="0">
+              <a:spcBef>
+                <a:spcPts val="0"/>
+              </a:spcBef>
+              <a:spcAft>
+                <a:spcPts val="0"/>
+              </a:spcAft>
+              <a:buNone/>
+            </a:pPr>
+            <a:endParaRPr/>
+          </a:p>
+        </p:txBody>
+      </p:sp>
+      <p:sp>
+        <p:nvSpPr>
+          <p:cNvPr id="173" name="Google Shape;173;p9:notes"/>
+          <p:cNvSpPr txBox="1">
+            <a:spLocks noGrp="1"/>
+          </p:cNvSpPr>
+          <p:nvPr>
+            <p:ph type="sldNum" idx="12"/>
+          </p:nvPr>
+        </p:nvSpPr>
+        <p:spPr>
+          <a:xfrm>
+            <a:off x="3885010" y="8684684"/>
+            <a:ext cx="2971800" cy="457200"/>
+          </a:xfrm>
+          <a:prstGeom prst="rect">
+            <a:avLst/>
+          </a:prstGeom>
+          <a:noFill/>
+          <a:ln>
+            <a:noFill/>
+          </a:ln>
+        </p:spPr>
+        <p:txBody>
+          <a:bodyPr spcFirstLastPara="1" wrap="square" lIns="91425" tIns="45700" rIns="91425" bIns="45700" anchor="b" anchorCtr="0">
+            <a:noAutofit/>
+          </a:bodyPr>
+          <a:lstStyle/>
+          <a:p>
+            <a:pPr marL="0" lvl="0" indent="0" algn="r" rtl="0">
+              <a:spcBef>
+                <a:spcPts val="0"/>
+              </a:spcBef>
+              <a:spcAft>
+                <a:spcPts val="0"/>
+              </a:spcAft>
+              <a:buNone/>
+            </a:pPr>
+            <a:fld id="{00000000-1234-1234-1234-123412341234}" type="slidenum">
+              <a:rPr lang="pt-BR"/>
+              <a:t>16</a:t>
+            </a:fld>
+            <a:endParaRPr/>
+          </a:p>
+        </p:txBody>
+      </p:sp>
+    </p:spTree>
+    <p:extLst>
+      <p:ext uri="{BB962C8B-B14F-4D97-AF65-F5344CB8AC3E}">
+        <p14:creationId xmlns:p14="http://schemas.microsoft.com/office/powerpoint/2010/main" val="2070006367"/>
+      </p:ext>
+    </p:extLst>
+  </p:cSld>
+  <p:clrMapOvr>
+    <a:masterClrMapping/>
+  </p:clrMapOvr>
+</p:notes>
+</file>
+
+<file path=ppt/notesSlides/notesSlide17.xml><?xml version="1.0" encoding="utf-8"?>
+<p:notes xmlns:a="http://schemas.openxmlformats.org/drawingml/2006/main" xmlns:r="http://schemas.openxmlformats.org/officeDocument/2006/relationships" xmlns:p="http://schemas.openxmlformats.org/presentationml/2006/main" showMasterSp="0" showMasterPhAnim="0">
+  <p:cSld>
+    <p:spTree>
+      <p:nvGrpSpPr>
+        <p:cNvPr id="1" name="Shape 170"/>
+        <p:cNvGrpSpPr/>
+        <p:nvPr/>
+      </p:nvGrpSpPr>
+      <p:grpSpPr>
+        <a:xfrm>
+          <a:off x="0" y="0"/>
+          <a:ext cx="0" cy="0"/>
+          <a:chOff x="0" y="0"/>
+          <a:chExt cx="0" cy="0"/>
+        </a:xfrm>
+      </p:grpSpPr>
+      <p:sp>
+        <p:nvSpPr>
+          <p:cNvPr id="171" name="Google Shape;171;p9:notes"/>
+          <p:cNvSpPr>
+            <a:spLocks noGrp="1" noRot="1" noChangeAspect="1"/>
+          </p:cNvSpPr>
+          <p:nvPr>
+            <p:ph type="sldImg" idx="2"/>
+          </p:nvPr>
+        </p:nvSpPr>
+        <p:spPr>
+          <a:xfrm>
+            <a:off x="382588" y="685800"/>
+            <a:ext cx="6092825" cy="3429000"/>
+          </a:xfrm>
+          <a:custGeom>
+            <a:avLst/>
+            <a:gdLst/>
+            <a:ahLst/>
+            <a:cxnLst/>
+            <a:rect l="l" t="t" r="r" b="b"/>
+            <a:pathLst>
+              <a:path w="120000" h="120000" extrusionOk="0">
+                <a:moveTo>
+                  <a:pt x="0" y="0"/>
+                </a:moveTo>
+                <a:lnTo>
+                  <a:pt x="120000" y="0"/>
+                </a:lnTo>
+                <a:lnTo>
+                  <a:pt x="120000" y="120000"/>
+                </a:lnTo>
+                <a:lnTo>
+                  <a:pt x="0" y="120000"/>
+                </a:lnTo>
+                <a:close/>
+              </a:path>
+            </a:pathLst>
+          </a:custGeom>
+          <a:noFill/>
+          <a:ln w="12700" cap="flat" cmpd="sng">
+            <a:solidFill>
+              <a:srgbClr val="000000"/>
+            </a:solidFill>
+            <a:prstDash val="solid"/>
+            <a:round/>
+            <a:headEnd type="none" w="sm" len="sm"/>
+            <a:tailEnd type="none" w="sm" len="sm"/>
+          </a:ln>
+        </p:spPr>
+      </p:sp>
+      <p:sp>
+        <p:nvSpPr>
+          <p:cNvPr id="172" name="Google Shape;172;p9:notes"/>
+          <p:cNvSpPr txBox="1">
+            <a:spLocks noGrp="1"/>
+          </p:cNvSpPr>
+          <p:nvPr>
+            <p:ph type="body" idx="1"/>
+          </p:nvPr>
+        </p:nvSpPr>
+        <p:spPr>
+          <a:xfrm>
+            <a:off x="685800" y="4343400"/>
+            <a:ext cx="5486400" cy="4114800"/>
+          </a:xfrm>
+          <a:prstGeom prst="rect">
+            <a:avLst/>
+          </a:prstGeom>
+          <a:noFill/>
+          <a:ln>
+            <a:noFill/>
+          </a:ln>
+        </p:spPr>
+        <p:txBody>
+          <a:bodyPr spcFirstLastPara="1" wrap="square" lIns="91425" tIns="45700" rIns="91425" bIns="45700" anchor="t" anchorCtr="0">
+            <a:noAutofit/>
+          </a:bodyPr>
+          <a:lstStyle/>
+          <a:p>
+            <a:pPr marL="0" lvl="0" indent="0" algn="l" rtl="0">
+              <a:spcBef>
+                <a:spcPts val="0"/>
+              </a:spcBef>
+              <a:spcAft>
+                <a:spcPts val="0"/>
+              </a:spcAft>
+              <a:buNone/>
+            </a:pPr>
+            <a:endParaRPr/>
+          </a:p>
+        </p:txBody>
+      </p:sp>
+      <p:sp>
+        <p:nvSpPr>
+          <p:cNvPr id="173" name="Google Shape;173;p9:notes"/>
+          <p:cNvSpPr txBox="1">
+            <a:spLocks noGrp="1"/>
+          </p:cNvSpPr>
+          <p:nvPr>
+            <p:ph type="sldNum" idx="12"/>
+          </p:nvPr>
+        </p:nvSpPr>
+        <p:spPr>
+          <a:xfrm>
+            <a:off x="3885010" y="8684684"/>
+            <a:ext cx="2971800" cy="457200"/>
+          </a:xfrm>
+          <a:prstGeom prst="rect">
+            <a:avLst/>
+          </a:prstGeom>
+          <a:noFill/>
+          <a:ln>
+            <a:noFill/>
+          </a:ln>
+        </p:spPr>
+        <p:txBody>
+          <a:bodyPr spcFirstLastPara="1" wrap="square" lIns="91425" tIns="45700" rIns="91425" bIns="45700" anchor="b" anchorCtr="0">
+            <a:noAutofit/>
+          </a:bodyPr>
+          <a:lstStyle/>
+          <a:p>
+            <a:pPr marL="0" lvl="0" indent="0" algn="r" rtl="0">
+              <a:spcBef>
+                <a:spcPts val="0"/>
+              </a:spcBef>
+              <a:spcAft>
+                <a:spcPts val="0"/>
+              </a:spcAft>
+              <a:buNone/>
+            </a:pPr>
+            <a:fld id="{00000000-1234-1234-1234-123412341234}" type="slidenum">
+              <a:rPr lang="pt-BR"/>
+              <a:t>17</a:t>
+            </a:fld>
+            <a:endParaRPr/>
+          </a:p>
+        </p:txBody>
+      </p:sp>
+    </p:spTree>
+    <p:extLst>
+      <p:ext uri="{BB962C8B-B14F-4D97-AF65-F5344CB8AC3E}">
+        <p14:creationId xmlns:p14="http://schemas.microsoft.com/office/powerpoint/2010/main" val="1219465654"/>
+      </p:ext>
+    </p:extLst>
+  </p:cSld>
+  <p:clrMapOvr>
+    <a:masterClrMapping/>
+  </p:clrMapOvr>
+</p:notes>
+</file>
+
+<file path=ppt/notesSlides/notesSlide18.xml><?xml version="1.0" encoding="utf-8"?>
+<p:notes xmlns:a="http://schemas.openxmlformats.org/drawingml/2006/main" xmlns:r="http://schemas.openxmlformats.org/officeDocument/2006/relationships" xmlns:p="http://schemas.openxmlformats.org/presentationml/2006/main" showMasterSp="0" showMasterPhAnim="0">
+  <p:cSld>
+    <p:spTree>
+      <p:nvGrpSpPr>
+        <p:cNvPr id="1" name="Shape 170"/>
+        <p:cNvGrpSpPr/>
+        <p:nvPr/>
+      </p:nvGrpSpPr>
+      <p:grpSpPr>
+        <a:xfrm>
+          <a:off x="0" y="0"/>
+          <a:ext cx="0" cy="0"/>
+          <a:chOff x="0" y="0"/>
+          <a:chExt cx="0" cy="0"/>
+        </a:xfrm>
+      </p:grpSpPr>
+      <p:sp>
+        <p:nvSpPr>
+          <p:cNvPr id="171" name="Google Shape;171;p9:notes"/>
+          <p:cNvSpPr>
+            <a:spLocks noGrp="1" noRot="1" noChangeAspect="1"/>
+          </p:cNvSpPr>
+          <p:nvPr>
+            <p:ph type="sldImg" idx="2"/>
+          </p:nvPr>
+        </p:nvSpPr>
+        <p:spPr>
+          <a:xfrm>
+            <a:off x="382588" y="685800"/>
+            <a:ext cx="6092825" cy="3429000"/>
+          </a:xfrm>
+          <a:custGeom>
+            <a:avLst/>
+            <a:gdLst/>
+            <a:ahLst/>
+            <a:cxnLst/>
+            <a:rect l="l" t="t" r="r" b="b"/>
+            <a:pathLst>
+              <a:path w="120000" h="120000" extrusionOk="0">
+                <a:moveTo>
+                  <a:pt x="0" y="0"/>
+                </a:moveTo>
+                <a:lnTo>
+                  <a:pt x="120000" y="0"/>
+                </a:lnTo>
+                <a:lnTo>
+                  <a:pt x="120000" y="120000"/>
+                </a:lnTo>
+                <a:lnTo>
+                  <a:pt x="0" y="120000"/>
+                </a:lnTo>
+                <a:close/>
+              </a:path>
+            </a:pathLst>
+          </a:custGeom>
+          <a:noFill/>
+          <a:ln w="12700" cap="flat" cmpd="sng">
+            <a:solidFill>
+              <a:srgbClr val="000000"/>
+            </a:solidFill>
+            <a:prstDash val="solid"/>
+            <a:round/>
+            <a:headEnd type="none" w="sm" len="sm"/>
+            <a:tailEnd type="none" w="sm" len="sm"/>
+          </a:ln>
+        </p:spPr>
+      </p:sp>
+      <p:sp>
+        <p:nvSpPr>
+          <p:cNvPr id="172" name="Google Shape;172;p9:notes"/>
+          <p:cNvSpPr txBox="1">
+            <a:spLocks noGrp="1"/>
+          </p:cNvSpPr>
+          <p:nvPr>
+            <p:ph type="body" idx="1"/>
+          </p:nvPr>
+        </p:nvSpPr>
+        <p:spPr>
+          <a:xfrm>
+            <a:off x="685800" y="4343400"/>
+            <a:ext cx="5486400" cy="4114800"/>
+          </a:xfrm>
+          <a:prstGeom prst="rect">
+            <a:avLst/>
+          </a:prstGeom>
+          <a:noFill/>
+          <a:ln>
+            <a:noFill/>
+          </a:ln>
+        </p:spPr>
+        <p:txBody>
+          <a:bodyPr spcFirstLastPara="1" wrap="square" lIns="91425" tIns="45700" rIns="91425" bIns="45700" anchor="t" anchorCtr="0">
+            <a:noAutofit/>
+          </a:bodyPr>
+          <a:lstStyle/>
+          <a:p>
+            <a:pPr marL="0" lvl="0" indent="0" algn="l" rtl="0">
+              <a:spcBef>
+                <a:spcPts val="0"/>
+              </a:spcBef>
+              <a:spcAft>
+                <a:spcPts val="0"/>
+              </a:spcAft>
+              <a:buNone/>
+            </a:pPr>
+            <a:endParaRPr/>
+          </a:p>
+        </p:txBody>
+      </p:sp>
+      <p:sp>
+        <p:nvSpPr>
+          <p:cNvPr id="173" name="Google Shape;173;p9:notes"/>
+          <p:cNvSpPr txBox="1">
+            <a:spLocks noGrp="1"/>
+          </p:cNvSpPr>
+          <p:nvPr>
+            <p:ph type="sldNum" idx="12"/>
+          </p:nvPr>
+        </p:nvSpPr>
+        <p:spPr>
+          <a:xfrm>
+            <a:off x="3885010" y="8684684"/>
+            <a:ext cx="2971800" cy="457200"/>
+          </a:xfrm>
+          <a:prstGeom prst="rect">
+            <a:avLst/>
+          </a:prstGeom>
+          <a:noFill/>
+          <a:ln>
+            <a:noFill/>
+          </a:ln>
+        </p:spPr>
+        <p:txBody>
+          <a:bodyPr spcFirstLastPara="1" wrap="square" lIns="91425" tIns="45700" rIns="91425" bIns="45700" anchor="b" anchorCtr="0">
+            <a:noAutofit/>
+          </a:bodyPr>
+          <a:lstStyle/>
+          <a:p>
+            <a:pPr marL="0" lvl="0" indent="0" algn="r" rtl="0">
+              <a:spcBef>
+                <a:spcPts val="0"/>
+              </a:spcBef>
+              <a:spcAft>
+                <a:spcPts val="0"/>
+              </a:spcAft>
+              <a:buNone/>
+            </a:pPr>
+            <a:fld id="{00000000-1234-1234-1234-123412341234}" type="slidenum">
+              <a:rPr lang="pt-BR"/>
+              <a:t>18</a:t>
+            </a:fld>
+            <a:endParaRPr/>
+          </a:p>
+        </p:txBody>
+      </p:sp>
+    </p:spTree>
+    <p:extLst>
+      <p:ext uri="{BB962C8B-B14F-4D97-AF65-F5344CB8AC3E}">
+        <p14:creationId xmlns:p14="http://schemas.microsoft.com/office/powerpoint/2010/main" val="100139206"/>
+      </p:ext>
+    </p:extLst>
+  </p:cSld>
+  <p:clrMapOvr>
+    <a:masterClrMapping/>
+  </p:clrMapOvr>
+</p:notes>
+</file>
+
+<file path=ppt/notesSlides/notesSlide19.xml><?xml version="1.0" encoding="utf-8"?>
+<p:notes xmlns:a="http://schemas.openxmlformats.org/drawingml/2006/main" xmlns:r="http://schemas.openxmlformats.org/officeDocument/2006/relationships" xmlns:p="http://schemas.openxmlformats.org/presentationml/2006/main" showMasterSp="0" showMasterPhAnim="0">
+  <p:cSld>
+    <p:spTree>
+      <p:nvGrpSpPr>
+        <p:cNvPr id="1" name="Shape 170"/>
+        <p:cNvGrpSpPr/>
+        <p:nvPr/>
+      </p:nvGrpSpPr>
+      <p:grpSpPr>
+        <a:xfrm>
+          <a:off x="0" y="0"/>
+          <a:ext cx="0" cy="0"/>
+          <a:chOff x="0" y="0"/>
+          <a:chExt cx="0" cy="0"/>
+        </a:xfrm>
+      </p:grpSpPr>
+      <p:sp>
+        <p:nvSpPr>
+          <p:cNvPr id="171" name="Google Shape;171;p9:notes"/>
+          <p:cNvSpPr>
+            <a:spLocks noGrp="1" noRot="1" noChangeAspect="1"/>
+          </p:cNvSpPr>
+          <p:nvPr>
+            <p:ph type="sldImg" idx="2"/>
+          </p:nvPr>
+        </p:nvSpPr>
+        <p:spPr>
+          <a:xfrm>
+            <a:off x="382588" y="685800"/>
+            <a:ext cx="6092825" cy="3429000"/>
+          </a:xfrm>
+          <a:custGeom>
+            <a:avLst/>
+            <a:gdLst/>
+            <a:ahLst/>
+            <a:cxnLst/>
+            <a:rect l="l" t="t" r="r" b="b"/>
+            <a:pathLst>
+              <a:path w="120000" h="120000" extrusionOk="0">
+                <a:moveTo>
+                  <a:pt x="0" y="0"/>
+                </a:moveTo>
+                <a:lnTo>
+                  <a:pt x="120000" y="0"/>
+                </a:lnTo>
+                <a:lnTo>
+                  <a:pt x="120000" y="120000"/>
+                </a:lnTo>
+                <a:lnTo>
+                  <a:pt x="0" y="120000"/>
+                </a:lnTo>
+                <a:close/>
+              </a:path>
+            </a:pathLst>
+          </a:custGeom>
+          <a:noFill/>
+          <a:ln w="12700" cap="flat" cmpd="sng">
+            <a:solidFill>
+              <a:srgbClr val="000000"/>
+            </a:solidFill>
+            <a:prstDash val="solid"/>
+            <a:round/>
+            <a:headEnd type="none" w="sm" len="sm"/>
+            <a:tailEnd type="none" w="sm" len="sm"/>
+          </a:ln>
+        </p:spPr>
+      </p:sp>
+      <p:sp>
+        <p:nvSpPr>
+          <p:cNvPr id="172" name="Google Shape;172;p9:notes"/>
+          <p:cNvSpPr txBox="1">
+            <a:spLocks noGrp="1"/>
+          </p:cNvSpPr>
+          <p:nvPr>
+            <p:ph type="body" idx="1"/>
+          </p:nvPr>
+        </p:nvSpPr>
+        <p:spPr>
+          <a:xfrm>
+            <a:off x="685800" y="4343400"/>
+            <a:ext cx="5486400" cy="4114800"/>
+          </a:xfrm>
+          <a:prstGeom prst="rect">
+            <a:avLst/>
+          </a:prstGeom>
+          <a:noFill/>
+          <a:ln>
+            <a:noFill/>
+          </a:ln>
+        </p:spPr>
+        <p:txBody>
+          <a:bodyPr spcFirstLastPara="1" wrap="square" lIns="91425" tIns="45700" rIns="91425" bIns="45700" anchor="t" anchorCtr="0">
+            <a:noAutofit/>
+          </a:bodyPr>
+          <a:lstStyle/>
+          <a:p>
+            <a:pPr marL="0" lvl="0" indent="0" algn="l" rtl="0">
+              <a:spcBef>
+                <a:spcPts val="0"/>
+              </a:spcBef>
+              <a:spcAft>
+                <a:spcPts val="0"/>
+              </a:spcAft>
+              <a:buNone/>
+            </a:pPr>
+            <a:endParaRPr/>
+          </a:p>
+        </p:txBody>
+      </p:sp>
+      <p:sp>
+        <p:nvSpPr>
+          <p:cNvPr id="173" name="Google Shape;173;p9:notes"/>
+          <p:cNvSpPr txBox="1">
+            <a:spLocks noGrp="1"/>
+          </p:cNvSpPr>
+          <p:nvPr>
+            <p:ph type="sldNum" idx="12"/>
+          </p:nvPr>
+        </p:nvSpPr>
+        <p:spPr>
+          <a:xfrm>
+            <a:off x="3885010" y="8684684"/>
+            <a:ext cx="2971800" cy="457200"/>
+          </a:xfrm>
+          <a:prstGeom prst="rect">
+            <a:avLst/>
+          </a:prstGeom>
+          <a:noFill/>
+          <a:ln>
+            <a:noFill/>
+          </a:ln>
+        </p:spPr>
+        <p:txBody>
+          <a:bodyPr spcFirstLastPara="1" wrap="square" lIns="91425" tIns="45700" rIns="91425" bIns="45700" anchor="b" anchorCtr="0">
+            <a:noAutofit/>
+          </a:bodyPr>
+          <a:lstStyle/>
+          <a:p>
+            <a:pPr marL="0" lvl="0" indent="0" algn="r" rtl="0">
+              <a:spcBef>
+                <a:spcPts val="0"/>
+              </a:spcBef>
+              <a:spcAft>
+                <a:spcPts val="0"/>
+              </a:spcAft>
+              <a:buNone/>
+            </a:pPr>
+            <a:fld id="{00000000-1234-1234-1234-123412341234}" type="slidenum">
+              <a:rPr lang="pt-BR"/>
+              <a:t>19</a:t>
+            </a:fld>
+            <a:endParaRPr/>
+          </a:p>
+        </p:txBody>
+      </p:sp>
+    </p:spTree>
+    <p:extLst>
+      <p:ext uri="{BB962C8B-B14F-4D97-AF65-F5344CB8AC3E}">
+        <p14:creationId xmlns:p14="http://schemas.microsoft.com/office/powerpoint/2010/main" val="2872814790"/>
+      </p:ext>
+    </p:extLst>
+  </p:cSld>
+  <p:clrMapOvr>
+    <a:masterClrMapping/>
+  </p:clrMapOvr>
+</p:notes>
+</file>
+
+<file path=ppt/notesSlides/notesSlide2.xml><?xml version="1.0" encoding="utf-8"?>
+<p:notes xmlns:a="http://schemas.openxmlformats.org/drawingml/2006/main" xmlns:r="http://schemas.openxmlformats.org/officeDocument/2006/relationships" xmlns:p="http://schemas.openxmlformats.org/presentationml/2006/main" showMasterSp="0" showMasterPhAnim="0">
+  <p:cSld>
+    <p:spTree>
+      <p:nvGrpSpPr>
+        <p:cNvPr id="1" name="Shape 170"/>
+        <p:cNvGrpSpPr/>
+        <p:nvPr/>
+      </p:nvGrpSpPr>
+      <p:grpSpPr>
+        <a:xfrm>
+          <a:off x="0" y="0"/>
+          <a:ext cx="0" cy="0"/>
+          <a:chOff x="0" y="0"/>
+          <a:chExt cx="0" cy="0"/>
+        </a:xfrm>
+      </p:grpSpPr>
+      <p:sp>
+        <p:nvSpPr>
+          <p:cNvPr id="171" name="Google Shape;171;p9:notes"/>
+          <p:cNvSpPr>
+            <a:spLocks noGrp="1" noRot="1" noChangeAspect="1"/>
+          </p:cNvSpPr>
+          <p:nvPr>
+            <p:ph type="sldImg" idx="2"/>
+          </p:nvPr>
+        </p:nvSpPr>
+        <p:spPr>
+          <a:xfrm>
+            <a:off x="382588" y="685800"/>
+            <a:ext cx="6092825" cy="3429000"/>
+          </a:xfrm>
+          <a:custGeom>
+            <a:avLst/>
+            <a:gdLst/>
+            <a:ahLst/>
+            <a:cxnLst/>
+            <a:rect l="l" t="t" r="r" b="b"/>
+            <a:pathLst>
+              <a:path w="120000" h="120000" extrusionOk="0">
+                <a:moveTo>
+                  <a:pt x="0" y="0"/>
+                </a:moveTo>
+                <a:lnTo>
+                  <a:pt x="120000" y="0"/>
+                </a:lnTo>
+                <a:lnTo>
+                  <a:pt x="120000" y="120000"/>
+                </a:lnTo>
+                <a:lnTo>
+                  <a:pt x="0" y="120000"/>
+                </a:lnTo>
+                <a:close/>
+              </a:path>
+            </a:pathLst>
+          </a:custGeom>
+          <a:noFill/>
+          <a:ln w="12700" cap="flat" cmpd="sng">
+            <a:solidFill>
+              <a:srgbClr val="000000"/>
+            </a:solidFill>
+            <a:prstDash val="solid"/>
+            <a:round/>
+            <a:headEnd type="none" w="sm" len="sm"/>
+            <a:tailEnd type="none" w="sm" len="sm"/>
+          </a:ln>
+        </p:spPr>
+      </p:sp>
+      <p:sp>
+        <p:nvSpPr>
+          <p:cNvPr id="172" name="Google Shape;172;p9:notes"/>
+          <p:cNvSpPr txBox="1">
+            <a:spLocks noGrp="1"/>
+          </p:cNvSpPr>
+          <p:nvPr>
+            <p:ph type="body" idx="1"/>
+          </p:nvPr>
+        </p:nvSpPr>
+        <p:spPr>
+          <a:xfrm>
+            <a:off x="685800" y="4343400"/>
+            <a:ext cx="5486400" cy="4114800"/>
+          </a:xfrm>
+          <a:prstGeom prst="rect">
+            <a:avLst/>
+          </a:prstGeom>
+          <a:noFill/>
+          <a:ln>
+            <a:noFill/>
+          </a:ln>
+        </p:spPr>
+        <p:txBody>
+          <a:bodyPr spcFirstLastPara="1" wrap="square" lIns="91425" tIns="45700" rIns="91425" bIns="45700" anchor="t" anchorCtr="0">
+            <a:noAutofit/>
+          </a:bodyPr>
+          <a:lstStyle/>
+          <a:p>
+            <a:pPr marL="0" lvl="0" indent="0" algn="l" rtl="0">
+              <a:spcBef>
+                <a:spcPts val="0"/>
+              </a:spcBef>
+              <a:spcAft>
+                <a:spcPts val="0"/>
+              </a:spcAft>
+              <a:buNone/>
+            </a:pPr>
+            <a:endParaRPr/>
+          </a:p>
+        </p:txBody>
+      </p:sp>
+      <p:sp>
+        <p:nvSpPr>
+          <p:cNvPr id="173" name="Google Shape;173;p9:notes"/>
+          <p:cNvSpPr txBox="1">
+            <a:spLocks noGrp="1"/>
+          </p:cNvSpPr>
+          <p:nvPr>
+            <p:ph type="sldNum" idx="12"/>
+          </p:nvPr>
+        </p:nvSpPr>
+        <p:spPr>
+          <a:xfrm>
+            <a:off x="3885010" y="8684684"/>
+            <a:ext cx="2971800" cy="457200"/>
+          </a:xfrm>
+          <a:prstGeom prst="rect">
+            <a:avLst/>
+          </a:prstGeom>
+          <a:noFill/>
+          <a:ln>
+            <a:noFill/>
+          </a:ln>
+        </p:spPr>
+        <p:txBody>
+          <a:bodyPr spcFirstLastPara="1" wrap="square" lIns="91425" tIns="45700" rIns="91425" bIns="45700" anchor="b" anchorCtr="0">
+            <a:noAutofit/>
+          </a:bodyPr>
+          <a:lstStyle/>
+          <a:p>
+            <a:pPr marL="0" lvl="0" indent="0" algn="r" rtl="0">
+              <a:spcBef>
+                <a:spcPts val="0"/>
+              </a:spcBef>
+              <a:spcAft>
+                <a:spcPts val="0"/>
+              </a:spcAft>
+              <a:buNone/>
+            </a:pPr>
+            <a:fld id="{00000000-1234-1234-1234-123412341234}" type="slidenum">
+              <a:rPr lang="pt-BR"/>
+              <a:t>2</a:t>
+            </a:fld>
+            <a:endParaRPr/>
+          </a:p>
+        </p:txBody>
+      </p:sp>
+    </p:spTree>
+    <p:extLst>
+      <p:ext uri="{BB962C8B-B14F-4D97-AF65-F5344CB8AC3E}">
+        <p14:creationId xmlns:p14="http://schemas.microsoft.com/office/powerpoint/2010/main" val="3036468413"/>
+      </p:ext>
+    </p:extLst>
+  </p:cSld>
+  <p:clrMapOvr>
+    <a:masterClrMapping/>
+  </p:clrMapOvr>
+</p:notes>
+</file>
+
+<file path=ppt/notesSlides/notesSlide20.xml><?xml version="1.0" encoding="utf-8"?>
+<p:notes xmlns:a="http://schemas.openxmlformats.org/drawingml/2006/main" xmlns:r="http://schemas.openxmlformats.org/officeDocument/2006/relationships" xmlns:p="http://schemas.openxmlformats.org/presentationml/2006/main" showMasterSp="0" showMasterPhAnim="0">
+  <p:cSld>
+    <p:spTree>
+      <p:nvGrpSpPr>
+        <p:cNvPr id="1" name="Shape 170"/>
+        <p:cNvGrpSpPr/>
+        <p:nvPr/>
+      </p:nvGrpSpPr>
+      <p:grpSpPr>
+        <a:xfrm>
+          <a:off x="0" y="0"/>
+          <a:ext cx="0" cy="0"/>
+          <a:chOff x="0" y="0"/>
+          <a:chExt cx="0" cy="0"/>
+        </a:xfrm>
+      </p:grpSpPr>
+      <p:sp>
+        <p:nvSpPr>
+          <p:cNvPr id="171" name="Google Shape;171;p9:notes"/>
+          <p:cNvSpPr>
+            <a:spLocks noGrp="1" noRot="1" noChangeAspect="1"/>
+          </p:cNvSpPr>
+          <p:nvPr>
+            <p:ph type="sldImg" idx="2"/>
+          </p:nvPr>
+        </p:nvSpPr>
+        <p:spPr>
+          <a:xfrm>
+            <a:off x="382588" y="685800"/>
+            <a:ext cx="6092825" cy="3429000"/>
+          </a:xfrm>
+          <a:custGeom>
+            <a:avLst/>
+            <a:gdLst/>
+            <a:ahLst/>
+            <a:cxnLst/>
+            <a:rect l="l" t="t" r="r" b="b"/>
+            <a:pathLst>
+              <a:path w="120000" h="120000" extrusionOk="0">
+                <a:moveTo>
+                  <a:pt x="0" y="0"/>
+                </a:moveTo>
+                <a:lnTo>
+                  <a:pt x="120000" y="0"/>
+                </a:lnTo>
+                <a:lnTo>
+                  <a:pt x="120000" y="120000"/>
+                </a:lnTo>
+                <a:lnTo>
+                  <a:pt x="0" y="120000"/>
+                </a:lnTo>
+                <a:close/>
+              </a:path>
+            </a:pathLst>
+          </a:custGeom>
+          <a:noFill/>
+          <a:ln w="12700" cap="flat" cmpd="sng">
+            <a:solidFill>
+              <a:srgbClr val="000000"/>
+            </a:solidFill>
+            <a:prstDash val="solid"/>
+            <a:round/>
+            <a:headEnd type="none" w="sm" len="sm"/>
+            <a:tailEnd type="none" w="sm" len="sm"/>
+          </a:ln>
+        </p:spPr>
+      </p:sp>
+      <p:sp>
+        <p:nvSpPr>
+          <p:cNvPr id="172" name="Google Shape;172;p9:notes"/>
+          <p:cNvSpPr txBox="1">
+            <a:spLocks noGrp="1"/>
+          </p:cNvSpPr>
+          <p:nvPr>
+            <p:ph type="body" idx="1"/>
+          </p:nvPr>
+        </p:nvSpPr>
+        <p:spPr>
+          <a:xfrm>
+            <a:off x="685800" y="4343400"/>
+            <a:ext cx="5486400" cy="4114800"/>
+          </a:xfrm>
+          <a:prstGeom prst="rect">
+            <a:avLst/>
+          </a:prstGeom>
+          <a:noFill/>
+          <a:ln>
+            <a:noFill/>
+          </a:ln>
+        </p:spPr>
+        <p:txBody>
+          <a:bodyPr spcFirstLastPara="1" wrap="square" lIns="91425" tIns="45700" rIns="91425" bIns="45700" anchor="t" anchorCtr="0">
+            <a:noAutofit/>
+          </a:bodyPr>
+          <a:lstStyle/>
+          <a:p>
+            <a:pPr marL="0" lvl="0" indent="0" algn="l" rtl="0">
+              <a:spcBef>
+                <a:spcPts val="0"/>
+              </a:spcBef>
+              <a:spcAft>
+                <a:spcPts val="0"/>
+              </a:spcAft>
+              <a:buNone/>
+            </a:pPr>
+            <a:endParaRPr/>
+          </a:p>
+        </p:txBody>
+      </p:sp>
+      <p:sp>
+        <p:nvSpPr>
+          <p:cNvPr id="173" name="Google Shape;173;p9:notes"/>
+          <p:cNvSpPr txBox="1">
+            <a:spLocks noGrp="1"/>
+          </p:cNvSpPr>
+          <p:nvPr>
+            <p:ph type="sldNum" idx="12"/>
+          </p:nvPr>
+        </p:nvSpPr>
+        <p:spPr>
+          <a:xfrm>
+            <a:off x="3885010" y="8684684"/>
+            <a:ext cx="2971800" cy="457200"/>
+          </a:xfrm>
+          <a:prstGeom prst="rect">
+            <a:avLst/>
+          </a:prstGeom>
+          <a:noFill/>
+          <a:ln>
+            <a:noFill/>
+          </a:ln>
+        </p:spPr>
+        <p:txBody>
+          <a:bodyPr spcFirstLastPara="1" wrap="square" lIns="91425" tIns="45700" rIns="91425" bIns="45700" anchor="b" anchorCtr="0">
+            <a:noAutofit/>
+          </a:bodyPr>
+          <a:lstStyle/>
+          <a:p>
+            <a:pPr marL="0" lvl="0" indent="0" algn="r" rtl="0">
+              <a:spcBef>
+                <a:spcPts val="0"/>
+              </a:spcBef>
+              <a:spcAft>
+                <a:spcPts val="0"/>
+              </a:spcAft>
+              <a:buNone/>
+            </a:pPr>
+            <a:fld id="{00000000-1234-1234-1234-123412341234}" type="slidenum">
+              <a:rPr lang="pt-BR"/>
+              <a:t>20</a:t>
+            </a:fld>
+            <a:endParaRPr/>
+          </a:p>
+        </p:txBody>
+      </p:sp>
+    </p:spTree>
+    <p:extLst>
+      <p:ext uri="{BB962C8B-B14F-4D97-AF65-F5344CB8AC3E}">
+        <p14:creationId xmlns:p14="http://schemas.microsoft.com/office/powerpoint/2010/main" val="1724352943"/>
+      </p:ext>
+    </p:extLst>
+  </p:cSld>
+  <p:clrMapOvr>
+    <a:masterClrMapping/>
+  </p:clrMapOvr>
+</p:notes>
+</file>
+
+<file path=ppt/notesSlides/notesSlide21.xml><?xml version="1.0" encoding="utf-8"?>
+<p:notes xmlns:a="http://schemas.openxmlformats.org/drawingml/2006/main" xmlns:r="http://schemas.openxmlformats.org/officeDocument/2006/relationships" xmlns:p="http://schemas.openxmlformats.org/presentationml/2006/main" showMasterSp="0" showMasterPhAnim="0">
+  <p:cSld>
+    <p:spTree>
+      <p:nvGrpSpPr>
+        <p:cNvPr id="1" name="Shape 170"/>
+        <p:cNvGrpSpPr/>
+        <p:nvPr/>
+      </p:nvGrpSpPr>
+      <p:grpSpPr>
+        <a:xfrm>
+          <a:off x="0" y="0"/>
+          <a:ext cx="0" cy="0"/>
+          <a:chOff x="0" y="0"/>
+          <a:chExt cx="0" cy="0"/>
+        </a:xfrm>
+      </p:grpSpPr>
+      <p:sp>
+        <p:nvSpPr>
+          <p:cNvPr id="171" name="Google Shape;171;p9:notes"/>
+          <p:cNvSpPr>
+            <a:spLocks noGrp="1" noRot="1" noChangeAspect="1"/>
+          </p:cNvSpPr>
+          <p:nvPr>
+            <p:ph type="sldImg" idx="2"/>
+          </p:nvPr>
+        </p:nvSpPr>
+        <p:spPr>
+          <a:xfrm>
+            <a:off x="382588" y="685800"/>
+            <a:ext cx="6092825" cy="3429000"/>
+          </a:xfrm>
+          <a:custGeom>
+            <a:avLst/>
+            <a:gdLst/>
+            <a:ahLst/>
+            <a:cxnLst/>
+            <a:rect l="l" t="t" r="r" b="b"/>
+            <a:pathLst>
+              <a:path w="120000" h="120000" extrusionOk="0">
+                <a:moveTo>
+                  <a:pt x="0" y="0"/>
+                </a:moveTo>
+                <a:lnTo>
+                  <a:pt x="120000" y="0"/>
+                </a:lnTo>
+                <a:lnTo>
+                  <a:pt x="120000" y="120000"/>
+                </a:lnTo>
+                <a:lnTo>
+                  <a:pt x="0" y="120000"/>
+                </a:lnTo>
+                <a:close/>
+              </a:path>
+            </a:pathLst>
+          </a:custGeom>
+          <a:noFill/>
+          <a:ln w="12700" cap="flat" cmpd="sng">
+            <a:solidFill>
+              <a:srgbClr val="000000"/>
+            </a:solidFill>
+            <a:prstDash val="solid"/>
+            <a:round/>
+            <a:headEnd type="none" w="sm" len="sm"/>
+            <a:tailEnd type="none" w="sm" len="sm"/>
+          </a:ln>
+        </p:spPr>
+      </p:sp>
+      <p:sp>
+        <p:nvSpPr>
+          <p:cNvPr id="172" name="Google Shape;172;p9:notes"/>
+          <p:cNvSpPr txBox="1">
+            <a:spLocks noGrp="1"/>
+          </p:cNvSpPr>
+          <p:nvPr>
+            <p:ph type="body" idx="1"/>
+          </p:nvPr>
+        </p:nvSpPr>
+        <p:spPr>
+          <a:xfrm>
+            <a:off x="685800" y="4343400"/>
+            <a:ext cx="5486400" cy="4114800"/>
+          </a:xfrm>
+          <a:prstGeom prst="rect">
+            <a:avLst/>
+          </a:prstGeom>
+          <a:noFill/>
+          <a:ln>
+            <a:noFill/>
+          </a:ln>
+        </p:spPr>
+        <p:txBody>
+          <a:bodyPr spcFirstLastPara="1" wrap="square" lIns="91425" tIns="45700" rIns="91425" bIns="45700" anchor="t" anchorCtr="0">
+            <a:noAutofit/>
+          </a:bodyPr>
+          <a:lstStyle/>
+          <a:p>
+            <a:pPr marL="0" lvl="0" indent="0" algn="l" rtl="0">
+              <a:spcBef>
+                <a:spcPts val="0"/>
+              </a:spcBef>
+              <a:spcAft>
+                <a:spcPts val="0"/>
+              </a:spcAft>
+              <a:buNone/>
+            </a:pPr>
+            <a:endParaRPr/>
+          </a:p>
+        </p:txBody>
+      </p:sp>
+      <p:sp>
+        <p:nvSpPr>
+          <p:cNvPr id="173" name="Google Shape;173;p9:notes"/>
+          <p:cNvSpPr txBox="1">
+            <a:spLocks noGrp="1"/>
+          </p:cNvSpPr>
+          <p:nvPr>
+            <p:ph type="sldNum" idx="12"/>
+          </p:nvPr>
+        </p:nvSpPr>
+        <p:spPr>
+          <a:xfrm>
+            <a:off x="3885010" y="8684684"/>
+            <a:ext cx="2971800" cy="457200"/>
+          </a:xfrm>
+          <a:prstGeom prst="rect">
+            <a:avLst/>
+          </a:prstGeom>
+          <a:noFill/>
+          <a:ln>
+            <a:noFill/>
+          </a:ln>
+        </p:spPr>
+        <p:txBody>
+          <a:bodyPr spcFirstLastPara="1" wrap="square" lIns="91425" tIns="45700" rIns="91425" bIns="45700" anchor="b" anchorCtr="0">
+            <a:noAutofit/>
+          </a:bodyPr>
+          <a:lstStyle/>
+          <a:p>
+            <a:pPr marL="0" lvl="0" indent="0" algn="r" rtl="0">
+              <a:spcBef>
+                <a:spcPts val="0"/>
+              </a:spcBef>
+              <a:spcAft>
+                <a:spcPts val="0"/>
+              </a:spcAft>
+              <a:buNone/>
+            </a:pPr>
+            <a:fld id="{00000000-1234-1234-1234-123412341234}" type="slidenum">
+              <a:rPr lang="pt-BR"/>
+              <a:t>21</a:t>
+            </a:fld>
+            <a:endParaRPr/>
+          </a:p>
+        </p:txBody>
+      </p:sp>
+    </p:spTree>
+    <p:extLst>
+      <p:ext uri="{BB962C8B-B14F-4D97-AF65-F5344CB8AC3E}">
+        <p14:creationId xmlns:p14="http://schemas.microsoft.com/office/powerpoint/2010/main" val="3022315641"/>
+      </p:ext>
+    </p:extLst>
+  </p:cSld>
+  <p:clrMapOvr>
+    <a:masterClrMapping/>
+  </p:clrMapOvr>
+</p:notes>
+</file>
+
+<file path=ppt/notesSlides/notesSlide22.xml><?xml version="1.0" encoding="utf-8"?>
+<p:notes xmlns:a="http://schemas.openxmlformats.org/drawingml/2006/main" xmlns:r="http://schemas.openxmlformats.org/officeDocument/2006/relationships" xmlns:p="http://schemas.openxmlformats.org/presentationml/2006/main" showMasterSp="0" showMasterPhAnim="0">
+  <p:cSld>
+    <p:spTree>
+      <p:nvGrpSpPr>
+        <p:cNvPr id="1" name="Shape 84"/>
+        <p:cNvGrpSpPr/>
+        <p:nvPr/>
+      </p:nvGrpSpPr>
+      <p:grpSpPr>
+        <a:xfrm>
+          <a:off x="0" y="0"/>
+          <a:ext cx="0" cy="0"/>
+          <a:chOff x="0" y="0"/>
+          <a:chExt cx="0" cy="0"/>
+        </a:xfrm>
+      </p:grpSpPr>
+      <p:sp>
+        <p:nvSpPr>
+          <p:cNvPr id="85" name="Google Shape;85;p1:notes"/>
+          <p:cNvSpPr>
+            <a:spLocks noGrp="1" noRot="1" noChangeAspect="1"/>
+          </p:cNvSpPr>
+          <p:nvPr>
+            <p:ph type="sldImg" idx="2"/>
+          </p:nvPr>
+        </p:nvSpPr>
+        <p:spPr>
+          <a:xfrm>
+            <a:off x="382588" y="685800"/>
+            <a:ext cx="6092825" cy="3429000"/>
+          </a:xfrm>
+          <a:custGeom>
+            <a:avLst/>
+            <a:gdLst/>
+            <a:ahLst/>
+            <a:cxnLst/>
+            <a:rect l="l" t="t" r="r" b="b"/>
+            <a:pathLst>
+              <a:path w="120000" h="120000" extrusionOk="0">
+                <a:moveTo>
+                  <a:pt x="0" y="0"/>
+                </a:moveTo>
+                <a:lnTo>
+                  <a:pt x="120000" y="0"/>
+                </a:lnTo>
+                <a:lnTo>
+                  <a:pt x="120000" y="120000"/>
+                </a:lnTo>
+                <a:lnTo>
+                  <a:pt x="0" y="120000"/>
+                </a:lnTo>
+                <a:close/>
+              </a:path>
+            </a:pathLst>
+          </a:custGeom>
+          <a:noFill/>
+          <a:ln w="12700" cap="flat" cmpd="sng">
+            <a:solidFill>
+              <a:srgbClr val="000000"/>
+            </a:solidFill>
+            <a:prstDash val="solid"/>
+            <a:round/>
+            <a:headEnd type="none" w="sm" len="sm"/>
+            <a:tailEnd type="none" w="sm" len="sm"/>
+          </a:ln>
+        </p:spPr>
+      </p:sp>
+      <p:sp>
+        <p:nvSpPr>
           <p:cNvPr id="86" name="Google Shape;86;p1:notes"/>
           <p:cNvSpPr txBox="1">
             <a:spLocks noGrp="1"/>
@@ -1958,6 +4005,175 @@
             </a:pPr>
             <a:fld id="{00000000-1234-1234-1234-123412341234}" type="slidenum">
               <a:rPr lang="pt-BR"/>
+              <a:t>22</a:t>
+            </a:fld>
+            <a:endParaRPr/>
+          </a:p>
+        </p:txBody>
+      </p:sp>
+    </p:spTree>
+    <p:extLst>
+      <p:ext uri="{BB962C8B-B14F-4D97-AF65-F5344CB8AC3E}">
+        <p14:creationId xmlns:p14="http://schemas.microsoft.com/office/powerpoint/2010/main" val="4017618049"/>
+      </p:ext>
+    </p:extLst>
+  </p:cSld>
+  <p:clrMapOvr>
+    <a:masterClrMapping/>
+  </p:clrMapOvr>
+</p:notes>
+</file>
+
+<file path=ppt/notesSlides/notesSlide3.xml><?xml version="1.0" encoding="utf-8"?>
+<p:notes xmlns:a="http://schemas.openxmlformats.org/drawingml/2006/main" xmlns:r="http://schemas.openxmlformats.org/officeDocument/2006/relationships" xmlns:p="http://schemas.openxmlformats.org/presentationml/2006/main" showMasterSp="0" showMasterPhAnim="0">
+  <p:cSld>
+    <p:spTree>
+      <p:nvGrpSpPr>
+        <p:cNvPr id="1" name="Shape 170"/>
+        <p:cNvGrpSpPr/>
+        <p:nvPr/>
+      </p:nvGrpSpPr>
+      <p:grpSpPr>
+        <a:xfrm>
+          <a:off x="0" y="0"/>
+          <a:ext cx="0" cy="0"/>
+          <a:chOff x="0" y="0"/>
+          <a:chExt cx="0" cy="0"/>
+        </a:xfrm>
+      </p:grpSpPr>
+      <p:sp>
+        <p:nvSpPr>
+          <p:cNvPr id="171" name="Google Shape;171;p9:notes"/>
+          <p:cNvSpPr>
+            <a:spLocks noGrp="1" noRot="1" noChangeAspect="1"/>
+          </p:cNvSpPr>
+          <p:nvPr>
+            <p:ph type="sldImg" idx="2"/>
+          </p:nvPr>
+        </p:nvSpPr>
+        <p:spPr>
+          <a:xfrm>
+            <a:off x="382588" y="685800"/>
+            <a:ext cx="6092825" cy="3429000"/>
+          </a:xfrm>
+          <a:custGeom>
+            <a:avLst/>
+            <a:gdLst/>
+            <a:ahLst/>
+            <a:cxnLst/>
+            <a:rect l="l" t="t" r="r" b="b"/>
+            <a:pathLst>
+              <a:path w="120000" h="120000" extrusionOk="0">
+                <a:moveTo>
+                  <a:pt x="0" y="0"/>
+                </a:moveTo>
+                <a:lnTo>
+                  <a:pt x="120000" y="0"/>
+                </a:lnTo>
+                <a:lnTo>
+                  <a:pt x="120000" y="120000"/>
+                </a:lnTo>
+                <a:lnTo>
+                  <a:pt x="0" y="120000"/>
+                </a:lnTo>
+                <a:close/>
+              </a:path>
+            </a:pathLst>
+          </a:custGeom>
+          <a:noFill/>
+          <a:ln w="12700" cap="flat" cmpd="sng">
+            <a:solidFill>
+              <a:srgbClr val="000000"/>
+            </a:solidFill>
+            <a:prstDash val="solid"/>
+            <a:round/>
+            <a:headEnd type="none" w="sm" len="sm"/>
+            <a:tailEnd type="none" w="sm" len="sm"/>
+          </a:ln>
+        </p:spPr>
+      </p:sp>
+      <p:sp>
+        <p:nvSpPr>
+          <p:cNvPr id="172" name="Google Shape;172;p9:notes"/>
+          <p:cNvSpPr txBox="1">
+            <a:spLocks noGrp="1"/>
+          </p:cNvSpPr>
+          <p:nvPr>
+            <p:ph type="body" idx="1"/>
+          </p:nvPr>
+        </p:nvSpPr>
+        <p:spPr>
+          <a:xfrm>
+            <a:off x="685800" y="4343400"/>
+            <a:ext cx="5486400" cy="4114800"/>
+          </a:xfrm>
+          <a:prstGeom prst="rect">
+            <a:avLst/>
+          </a:prstGeom>
+          <a:noFill/>
+          <a:ln>
+            <a:noFill/>
+          </a:ln>
+        </p:spPr>
+        <p:txBody>
+          <a:bodyPr spcFirstLastPara="1" wrap="square" lIns="91425" tIns="45700" rIns="91425" bIns="45700" anchor="t" anchorCtr="0">
+            <a:noAutofit/>
+          </a:bodyPr>
+          <a:lstStyle/>
+          <a:p>
+            <a:pPr marL="0" lvl="0" indent="0" algn="l" rtl="0">
+              <a:spcBef>
+                <a:spcPts val="0"/>
+              </a:spcBef>
+              <a:spcAft>
+                <a:spcPts val="0"/>
+              </a:spcAft>
+              <a:buNone/>
+            </a:pPr>
+            <a:endParaRPr/>
+          </a:p>
+        </p:txBody>
+      </p:sp>
+      <p:sp>
+        <p:nvSpPr>
+          <p:cNvPr id="173" name="Google Shape;173;p9:notes"/>
+          <p:cNvSpPr txBox="1">
+            <a:spLocks noGrp="1"/>
+          </p:cNvSpPr>
+          <p:nvPr>
+            <p:ph type="sldNum" idx="12"/>
+          </p:nvPr>
+        </p:nvSpPr>
+        <p:spPr>
+          <a:xfrm>
+            <a:off x="3885010" y="8684684"/>
+            <a:ext cx="2971800" cy="457200"/>
+          </a:xfrm>
+          <a:prstGeom prst="rect">
+            <a:avLst/>
+          </a:prstGeom>
+          <a:noFill/>
+          <a:ln>
+            <a:noFill/>
+          </a:ln>
+        </p:spPr>
+        <p:txBody>
+          <a:bodyPr spcFirstLastPara="1" wrap="square" lIns="91425" tIns="45700" rIns="91425" bIns="45700" anchor="b" anchorCtr="0">
+            <a:noAutofit/>
+          </a:bodyPr>
+          <a:lstStyle/>
+          <a:p>
+            <a:pPr marL="0" lvl="0" indent="0" algn="r" rtl="0">
+              <a:spcBef>
+                <a:spcPts val="0"/>
+              </a:spcBef>
+              <a:spcAft>
+                <a:spcPts val="0"/>
+              </a:spcAft>
+              <a:buNone/>
+            </a:pPr>
+            <a:fld id="{00000000-1234-1234-1234-123412341234}" type="slidenum">
+              <a:rPr lang="pt-BR"/>
               <a:t>3</a:t>
             </a:fld>
             <a:endParaRPr/>
@@ -1967,7 +4183,1021 @@
     </p:spTree>
     <p:extLst>
       <p:ext uri="{BB962C8B-B14F-4D97-AF65-F5344CB8AC3E}">
-        <p14:creationId xmlns:p14="http://schemas.microsoft.com/office/powerpoint/2010/main" val="4017618049"/>
+        <p14:creationId xmlns:p14="http://schemas.microsoft.com/office/powerpoint/2010/main" val="2933662994"/>
+      </p:ext>
+    </p:extLst>
+  </p:cSld>
+  <p:clrMapOvr>
+    <a:masterClrMapping/>
+  </p:clrMapOvr>
+</p:notes>
+</file>
+
+<file path=ppt/notesSlides/notesSlide4.xml><?xml version="1.0" encoding="utf-8"?>
+<p:notes xmlns:a="http://schemas.openxmlformats.org/drawingml/2006/main" xmlns:r="http://schemas.openxmlformats.org/officeDocument/2006/relationships" xmlns:p="http://schemas.openxmlformats.org/presentationml/2006/main" showMasterSp="0" showMasterPhAnim="0">
+  <p:cSld>
+    <p:spTree>
+      <p:nvGrpSpPr>
+        <p:cNvPr id="1" name="Shape 170"/>
+        <p:cNvGrpSpPr/>
+        <p:nvPr/>
+      </p:nvGrpSpPr>
+      <p:grpSpPr>
+        <a:xfrm>
+          <a:off x="0" y="0"/>
+          <a:ext cx="0" cy="0"/>
+          <a:chOff x="0" y="0"/>
+          <a:chExt cx="0" cy="0"/>
+        </a:xfrm>
+      </p:grpSpPr>
+      <p:sp>
+        <p:nvSpPr>
+          <p:cNvPr id="171" name="Google Shape;171;p9:notes"/>
+          <p:cNvSpPr>
+            <a:spLocks noGrp="1" noRot="1" noChangeAspect="1"/>
+          </p:cNvSpPr>
+          <p:nvPr>
+            <p:ph type="sldImg" idx="2"/>
+          </p:nvPr>
+        </p:nvSpPr>
+        <p:spPr>
+          <a:xfrm>
+            <a:off x="382588" y="685800"/>
+            <a:ext cx="6092825" cy="3429000"/>
+          </a:xfrm>
+          <a:custGeom>
+            <a:avLst/>
+            <a:gdLst/>
+            <a:ahLst/>
+            <a:cxnLst/>
+            <a:rect l="l" t="t" r="r" b="b"/>
+            <a:pathLst>
+              <a:path w="120000" h="120000" extrusionOk="0">
+                <a:moveTo>
+                  <a:pt x="0" y="0"/>
+                </a:moveTo>
+                <a:lnTo>
+                  <a:pt x="120000" y="0"/>
+                </a:lnTo>
+                <a:lnTo>
+                  <a:pt x="120000" y="120000"/>
+                </a:lnTo>
+                <a:lnTo>
+                  <a:pt x="0" y="120000"/>
+                </a:lnTo>
+                <a:close/>
+              </a:path>
+            </a:pathLst>
+          </a:custGeom>
+          <a:noFill/>
+          <a:ln w="12700" cap="flat" cmpd="sng">
+            <a:solidFill>
+              <a:srgbClr val="000000"/>
+            </a:solidFill>
+            <a:prstDash val="solid"/>
+            <a:round/>
+            <a:headEnd type="none" w="sm" len="sm"/>
+            <a:tailEnd type="none" w="sm" len="sm"/>
+          </a:ln>
+        </p:spPr>
+      </p:sp>
+      <p:sp>
+        <p:nvSpPr>
+          <p:cNvPr id="172" name="Google Shape;172;p9:notes"/>
+          <p:cNvSpPr txBox="1">
+            <a:spLocks noGrp="1"/>
+          </p:cNvSpPr>
+          <p:nvPr>
+            <p:ph type="body" idx="1"/>
+          </p:nvPr>
+        </p:nvSpPr>
+        <p:spPr>
+          <a:xfrm>
+            <a:off x="685800" y="4343400"/>
+            <a:ext cx="5486400" cy="4114800"/>
+          </a:xfrm>
+          <a:prstGeom prst="rect">
+            <a:avLst/>
+          </a:prstGeom>
+          <a:noFill/>
+          <a:ln>
+            <a:noFill/>
+          </a:ln>
+        </p:spPr>
+        <p:txBody>
+          <a:bodyPr spcFirstLastPara="1" wrap="square" lIns="91425" tIns="45700" rIns="91425" bIns="45700" anchor="t" anchorCtr="0">
+            <a:noAutofit/>
+          </a:bodyPr>
+          <a:lstStyle/>
+          <a:p>
+            <a:pPr marL="0" lvl="0" indent="0" algn="l" rtl="0">
+              <a:spcBef>
+                <a:spcPts val="0"/>
+              </a:spcBef>
+              <a:spcAft>
+                <a:spcPts val="0"/>
+              </a:spcAft>
+              <a:buNone/>
+            </a:pPr>
+            <a:endParaRPr/>
+          </a:p>
+        </p:txBody>
+      </p:sp>
+      <p:sp>
+        <p:nvSpPr>
+          <p:cNvPr id="173" name="Google Shape;173;p9:notes"/>
+          <p:cNvSpPr txBox="1">
+            <a:spLocks noGrp="1"/>
+          </p:cNvSpPr>
+          <p:nvPr>
+            <p:ph type="sldNum" idx="12"/>
+          </p:nvPr>
+        </p:nvSpPr>
+        <p:spPr>
+          <a:xfrm>
+            <a:off x="3885010" y="8684684"/>
+            <a:ext cx="2971800" cy="457200"/>
+          </a:xfrm>
+          <a:prstGeom prst="rect">
+            <a:avLst/>
+          </a:prstGeom>
+          <a:noFill/>
+          <a:ln>
+            <a:noFill/>
+          </a:ln>
+        </p:spPr>
+        <p:txBody>
+          <a:bodyPr spcFirstLastPara="1" wrap="square" lIns="91425" tIns="45700" rIns="91425" bIns="45700" anchor="b" anchorCtr="0">
+            <a:noAutofit/>
+          </a:bodyPr>
+          <a:lstStyle/>
+          <a:p>
+            <a:pPr marL="0" lvl="0" indent="0" algn="r" rtl="0">
+              <a:spcBef>
+                <a:spcPts val="0"/>
+              </a:spcBef>
+              <a:spcAft>
+                <a:spcPts val="0"/>
+              </a:spcAft>
+              <a:buNone/>
+            </a:pPr>
+            <a:fld id="{00000000-1234-1234-1234-123412341234}" type="slidenum">
+              <a:rPr lang="pt-BR"/>
+              <a:t>4</a:t>
+            </a:fld>
+            <a:endParaRPr/>
+          </a:p>
+        </p:txBody>
+      </p:sp>
+    </p:spTree>
+    <p:extLst>
+      <p:ext uri="{BB962C8B-B14F-4D97-AF65-F5344CB8AC3E}">
+        <p14:creationId xmlns:p14="http://schemas.microsoft.com/office/powerpoint/2010/main" val="3623440996"/>
+      </p:ext>
+    </p:extLst>
+  </p:cSld>
+  <p:clrMapOvr>
+    <a:masterClrMapping/>
+  </p:clrMapOvr>
+</p:notes>
+</file>
+
+<file path=ppt/notesSlides/notesSlide5.xml><?xml version="1.0" encoding="utf-8"?>
+<p:notes xmlns:a="http://schemas.openxmlformats.org/drawingml/2006/main" xmlns:r="http://schemas.openxmlformats.org/officeDocument/2006/relationships" xmlns:p="http://schemas.openxmlformats.org/presentationml/2006/main" showMasterSp="0" showMasterPhAnim="0">
+  <p:cSld>
+    <p:spTree>
+      <p:nvGrpSpPr>
+        <p:cNvPr id="1" name="Shape 170"/>
+        <p:cNvGrpSpPr/>
+        <p:nvPr/>
+      </p:nvGrpSpPr>
+      <p:grpSpPr>
+        <a:xfrm>
+          <a:off x="0" y="0"/>
+          <a:ext cx="0" cy="0"/>
+          <a:chOff x="0" y="0"/>
+          <a:chExt cx="0" cy="0"/>
+        </a:xfrm>
+      </p:grpSpPr>
+      <p:sp>
+        <p:nvSpPr>
+          <p:cNvPr id="171" name="Google Shape;171;p9:notes"/>
+          <p:cNvSpPr>
+            <a:spLocks noGrp="1" noRot="1" noChangeAspect="1"/>
+          </p:cNvSpPr>
+          <p:nvPr>
+            <p:ph type="sldImg" idx="2"/>
+          </p:nvPr>
+        </p:nvSpPr>
+        <p:spPr>
+          <a:xfrm>
+            <a:off x="382588" y="685800"/>
+            <a:ext cx="6092825" cy="3429000"/>
+          </a:xfrm>
+          <a:custGeom>
+            <a:avLst/>
+            <a:gdLst/>
+            <a:ahLst/>
+            <a:cxnLst/>
+            <a:rect l="l" t="t" r="r" b="b"/>
+            <a:pathLst>
+              <a:path w="120000" h="120000" extrusionOk="0">
+                <a:moveTo>
+                  <a:pt x="0" y="0"/>
+                </a:moveTo>
+                <a:lnTo>
+                  <a:pt x="120000" y="0"/>
+                </a:lnTo>
+                <a:lnTo>
+                  <a:pt x="120000" y="120000"/>
+                </a:lnTo>
+                <a:lnTo>
+                  <a:pt x="0" y="120000"/>
+                </a:lnTo>
+                <a:close/>
+              </a:path>
+            </a:pathLst>
+          </a:custGeom>
+          <a:noFill/>
+          <a:ln w="12700" cap="flat" cmpd="sng">
+            <a:solidFill>
+              <a:srgbClr val="000000"/>
+            </a:solidFill>
+            <a:prstDash val="solid"/>
+            <a:round/>
+            <a:headEnd type="none" w="sm" len="sm"/>
+            <a:tailEnd type="none" w="sm" len="sm"/>
+          </a:ln>
+        </p:spPr>
+      </p:sp>
+      <p:sp>
+        <p:nvSpPr>
+          <p:cNvPr id="172" name="Google Shape;172;p9:notes"/>
+          <p:cNvSpPr txBox="1">
+            <a:spLocks noGrp="1"/>
+          </p:cNvSpPr>
+          <p:nvPr>
+            <p:ph type="body" idx="1"/>
+          </p:nvPr>
+        </p:nvSpPr>
+        <p:spPr>
+          <a:xfrm>
+            <a:off x="685800" y="4343400"/>
+            <a:ext cx="5486400" cy="4114800"/>
+          </a:xfrm>
+          <a:prstGeom prst="rect">
+            <a:avLst/>
+          </a:prstGeom>
+          <a:noFill/>
+          <a:ln>
+            <a:noFill/>
+          </a:ln>
+        </p:spPr>
+        <p:txBody>
+          <a:bodyPr spcFirstLastPara="1" wrap="square" lIns="91425" tIns="45700" rIns="91425" bIns="45700" anchor="t" anchorCtr="0">
+            <a:noAutofit/>
+          </a:bodyPr>
+          <a:lstStyle/>
+          <a:p>
+            <a:pPr marL="0" lvl="0" indent="0" algn="l" rtl="0">
+              <a:spcBef>
+                <a:spcPts val="0"/>
+              </a:spcBef>
+              <a:spcAft>
+                <a:spcPts val="0"/>
+              </a:spcAft>
+              <a:buNone/>
+            </a:pPr>
+            <a:endParaRPr/>
+          </a:p>
+        </p:txBody>
+      </p:sp>
+      <p:sp>
+        <p:nvSpPr>
+          <p:cNvPr id="173" name="Google Shape;173;p9:notes"/>
+          <p:cNvSpPr txBox="1">
+            <a:spLocks noGrp="1"/>
+          </p:cNvSpPr>
+          <p:nvPr>
+            <p:ph type="sldNum" idx="12"/>
+          </p:nvPr>
+        </p:nvSpPr>
+        <p:spPr>
+          <a:xfrm>
+            <a:off x="3885010" y="8684684"/>
+            <a:ext cx="2971800" cy="457200"/>
+          </a:xfrm>
+          <a:prstGeom prst="rect">
+            <a:avLst/>
+          </a:prstGeom>
+          <a:noFill/>
+          <a:ln>
+            <a:noFill/>
+          </a:ln>
+        </p:spPr>
+        <p:txBody>
+          <a:bodyPr spcFirstLastPara="1" wrap="square" lIns="91425" tIns="45700" rIns="91425" bIns="45700" anchor="b" anchorCtr="0">
+            <a:noAutofit/>
+          </a:bodyPr>
+          <a:lstStyle/>
+          <a:p>
+            <a:pPr marL="0" lvl="0" indent="0" algn="r" rtl="0">
+              <a:spcBef>
+                <a:spcPts val="0"/>
+              </a:spcBef>
+              <a:spcAft>
+                <a:spcPts val="0"/>
+              </a:spcAft>
+              <a:buNone/>
+            </a:pPr>
+            <a:fld id="{00000000-1234-1234-1234-123412341234}" type="slidenum">
+              <a:rPr lang="pt-BR"/>
+              <a:t>5</a:t>
+            </a:fld>
+            <a:endParaRPr/>
+          </a:p>
+        </p:txBody>
+      </p:sp>
+    </p:spTree>
+    <p:extLst>
+      <p:ext uri="{BB962C8B-B14F-4D97-AF65-F5344CB8AC3E}">
+        <p14:creationId xmlns:p14="http://schemas.microsoft.com/office/powerpoint/2010/main" val="3032766316"/>
+      </p:ext>
+    </p:extLst>
+  </p:cSld>
+  <p:clrMapOvr>
+    <a:masterClrMapping/>
+  </p:clrMapOvr>
+</p:notes>
+</file>
+
+<file path=ppt/notesSlides/notesSlide6.xml><?xml version="1.0" encoding="utf-8"?>
+<p:notes xmlns:a="http://schemas.openxmlformats.org/drawingml/2006/main" xmlns:r="http://schemas.openxmlformats.org/officeDocument/2006/relationships" xmlns:p="http://schemas.openxmlformats.org/presentationml/2006/main" showMasterSp="0" showMasterPhAnim="0">
+  <p:cSld>
+    <p:spTree>
+      <p:nvGrpSpPr>
+        <p:cNvPr id="1" name="Shape 170"/>
+        <p:cNvGrpSpPr/>
+        <p:nvPr/>
+      </p:nvGrpSpPr>
+      <p:grpSpPr>
+        <a:xfrm>
+          <a:off x="0" y="0"/>
+          <a:ext cx="0" cy="0"/>
+          <a:chOff x="0" y="0"/>
+          <a:chExt cx="0" cy="0"/>
+        </a:xfrm>
+      </p:grpSpPr>
+      <p:sp>
+        <p:nvSpPr>
+          <p:cNvPr id="171" name="Google Shape;171;p9:notes"/>
+          <p:cNvSpPr>
+            <a:spLocks noGrp="1" noRot="1" noChangeAspect="1"/>
+          </p:cNvSpPr>
+          <p:nvPr>
+            <p:ph type="sldImg" idx="2"/>
+          </p:nvPr>
+        </p:nvSpPr>
+        <p:spPr>
+          <a:xfrm>
+            <a:off x="382588" y="685800"/>
+            <a:ext cx="6092825" cy="3429000"/>
+          </a:xfrm>
+          <a:custGeom>
+            <a:avLst/>
+            <a:gdLst/>
+            <a:ahLst/>
+            <a:cxnLst/>
+            <a:rect l="l" t="t" r="r" b="b"/>
+            <a:pathLst>
+              <a:path w="120000" h="120000" extrusionOk="0">
+                <a:moveTo>
+                  <a:pt x="0" y="0"/>
+                </a:moveTo>
+                <a:lnTo>
+                  <a:pt x="120000" y="0"/>
+                </a:lnTo>
+                <a:lnTo>
+                  <a:pt x="120000" y="120000"/>
+                </a:lnTo>
+                <a:lnTo>
+                  <a:pt x="0" y="120000"/>
+                </a:lnTo>
+                <a:close/>
+              </a:path>
+            </a:pathLst>
+          </a:custGeom>
+          <a:noFill/>
+          <a:ln w="12700" cap="flat" cmpd="sng">
+            <a:solidFill>
+              <a:srgbClr val="000000"/>
+            </a:solidFill>
+            <a:prstDash val="solid"/>
+            <a:round/>
+            <a:headEnd type="none" w="sm" len="sm"/>
+            <a:tailEnd type="none" w="sm" len="sm"/>
+          </a:ln>
+        </p:spPr>
+      </p:sp>
+      <p:sp>
+        <p:nvSpPr>
+          <p:cNvPr id="172" name="Google Shape;172;p9:notes"/>
+          <p:cNvSpPr txBox="1">
+            <a:spLocks noGrp="1"/>
+          </p:cNvSpPr>
+          <p:nvPr>
+            <p:ph type="body" idx="1"/>
+          </p:nvPr>
+        </p:nvSpPr>
+        <p:spPr>
+          <a:xfrm>
+            <a:off x="685800" y="4343400"/>
+            <a:ext cx="5486400" cy="4114800"/>
+          </a:xfrm>
+          <a:prstGeom prst="rect">
+            <a:avLst/>
+          </a:prstGeom>
+          <a:noFill/>
+          <a:ln>
+            <a:noFill/>
+          </a:ln>
+        </p:spPr>
+        <p:txBody>
+          <a:bodyPr spcFirstLastPara="1" wrap="square" lIns="91425" tIns="45700" rIns="91425" bIns="45700" anchor="t" anchorCtr="0">
+            <a:noAutofit/>
+          </a:bodyPr>
+          <a:lstStyle/>
+          <a:p>
+            <a:pPr marL="0" lvl="0" indent="0" algn="l" rtl="0">
+              <a:spcBef>
+                <a:spcPts val="0"/>
+              </a:spcBef>
+              <a:spcAft>
+                <a:spcPts val="0"/>
+              </a:spcAft>
+              <a:buNone/>
+            </a:pPr>
+            <a:endParaRPr/>
+          </a:p>
+        </p:txBody>
+      </p:sp>
+      <p:sp>
+        <p:nvSpPr>
+          <p:cNvPr id="173" name="Google Shape;173;p9:notes"/>
+          <p:cNvSpPr txBox="1">
+            <a:spLocks noGrp="1"/>
+          </p:cNvSpPr>
+          <p:nvPr>
+            <p:ph type="sldNum" idx="12"/>
+          </p:nvPr>
+        </p:nvSpPr>
+        <p:spPr>
+          <a:xfrm>
+            <a:off x="3885010" y="8684684"/>
+            <a:ext cx="2971800" cy="457200"/>
+          </a:xfrm>
+          <a:prstGeom prst="rect">
+            <a:avLst/>
+          </a:prstGeom>
+          <a:noFill/>
+          <a:ln>
+            <a:noFill/>
+          </a:ln>
+        </p:spPr>
+        <p:txBody>
+          <a:bodyPr spcFirstLastPara="1" wrap="square" lIns="91425" tIns="45700" rIns="91425" bIns="45700" anchor="b" anchorCtr="0">
+            <a:noAutofit/>
+          </a:bodyPr>
+          <a:lstStyle/>
+          <a:p>
+            <a:pPr marL="0" lvl="0" indent="0" algn="r" rtl="0">
+              <a:spcBef>
+                <a:spcPts val="0"/>
+              </a:spcBef>
+              <a:spcAft>
+                <a:spcPts val="0"/>
+              </a:spcAft>
+              <a:buNone/>
+            </a:pPr>
+            <a:fld id="{00000000-1234-1234-1234-123412341234}" type="slidenum">
+              <a:rPr lang="pt-BR"/>
+              <a:t>6</a:t>
+            </a:fld>
+            <a:endParaRPr/>
+          </a:p>
+        </p:txBody>
+      </p:sp>
+    </p:spTree>
+    <p:extLst>
+      <p:ext uri="{BB962C8B-B14F-4D97-AF65-F5344CB8AC3E}">
+        <p14:creationId xmlns:p14="http://schemas.microsoft.com/office/powerpoint/2010/main" val="2350222830"/>
+      </p:ext>
+    </p:extLst>
+  </p:cSld>
+  <p:clrMapOvr>
+    <a:masterClrMapping/>
+  </p:clrMapOvr>
+</p:notes>
+</file>
+
+<file path=ppt/notesSlides/notesSlide7.xml><?xml version="1.0" encoding="utf-8"?>
+<p:notes xmlns:a="http://schemas.openxmlformats.org/drawingml/2006/main" xmlns:r="http://schemas.openxmlformats.org/officeDocument/2006/relationships" xmlns:p="http://schemas.openxmlformats.org/presentationml/2006/main" showMasterSp="0" showMasterPhAnim="0">
+  <p:cSld>
+    <p:spTree>
+      <p:nvGrpSpPr>
+        <p:cNvPr id="1" name="Shape 170"/>
+        <p:cNvGrpSpPr/>
+        <p:nvPr/>
+      </p:nvGrpSpPr>
+      <p:grpSpPr>
+        <a:xfrm>
+          <a:off x="0" y="0"/>
+          <a:ext cx="0" cy="0"/>
+          <a:chOff x="0" y="0"/>
+          <a:chExt cx="0" cy="0"/>
+        </a:xfrm>
+      </p:grpSpPr>
+      <p:sp>
+        <p:nvSpPr>
+          <p:cNvPr id="171" name="Google Shape;171;p9:notes"/>
+          <p:cNvSpPr>
+            <a:spLocks noGrp="1" noRot="1" noChangeAspect="1"/>
+          </p:cNvSpPr>
+          <p:nvPr>
+            <p:ph type="sldImg" idx="2"/>
+          </p:nvPr>
+        </p:nvSpPr>
+        <p:spPr>
+          <a:xfrm>
+            <a:off x="382588" y="685800"/>
+            <a:ext cx="6092825" cy="3429000"/>
+          </a:xfrm>
+          <a:custGeom>
+            <a:avLst/>
+            <a:gdLst/>
+            <a:ahLst/>
+            <a:cxnLst/>
+            <a:rect l="l" t="t" r="r" b="b"/>
+            <a:pathLst>
+              <a:path w="120000" h="120000" extrusionOk="0">
+                <a:moveTo>
+                  <a:pt x="0" y="0"/>
+                </a:moveTo>
+                <a:lnTo>
+                  <a:pt x="120000" y="0"/>
+                </a:lnTo>
+                <a:lnTo>
+                  <a:pt x="120000" y="120000"/>
+                </a:lnTo>
+                <a:lnTo>
+                  <a:pt x="0" y="120000"/>
+                </a:lnTo>
+                <a:close/>
+              </a:path>
+            </a:pathLst>
+          </a:custGeom>
+          <a:noFill/>
+          <a:ln w="12700" cap="flat" cmpd="sng">
+            <a:solidFill>
+              <a:srgbClr val="000000"/>
+            </a:solidFill>
+            <a:prstDash val="solid"/>
+            <a:round/>
+            <a:headEnd type="none" w="sm" len="sm"/>
+            <a:tailEnd type="none" w="sm" len="sm"/>
+          </a:ln>
+        </p:spPr>
+      </p:sp>
+      <p:sp>
+        <p:nvSpPr>
+          <p:cNvPr id="172" name="Google Shape;172;p9:notes"/>
+          <p:cNvSpPr txBox="1">
+            <a:spLocks noGrp="1"/>
+          </p:cNvSpPr>
+          <p:nvPr>
+            <p:ph type="body" idx="1"/>
+          </p:nvPr>
+        </p:nvSpPr>
+        <p:spPr>
+          <a:xfrm>
+            <a:off x="685800" y="4343400"/>
+            <a:ext cx="5486400" cy="4114800"/>
+          </a:xfrm>
+          <a:prstGeom prst="rect">
+            <a:avLst/>
+          </a:prstGeom>
+          <a:noFill/>
+          <a:ln>
+            <a:noFill/>
+          </a:ln>
+        </p:spPr>
+        <p:txBody>
+          <a:bodyPr spcFirstLastPara="1" wrap="square" lIns="91425" tIns="45700" rIns="91425" bIns="45700" anchor="t" anchorCtr="0">
+            <a:noAutofit/>
+          </a:bodyPr>
+          <a:lstStyle/>
+          <a:p>
+            <a:pPr marL="0" lvl="0" indent="0" algn="l" rtl="0">
+              <a:spcBef>
+                <a:spcPts val="0"/>
+              </a:spcBef>
+              <a:spcAft>
+                <a:spcPts val="0"/>
+              </a:spcAft>
+              <a:buNone/>
+            </a:pPr>
+            <a:endParaRPr/>
+          </a:p>
+        </p:txBody>
+      </p:sp>
+      <p:sp>
+        <p:nvSpPr>
+          <p:cNvPr id="173" name="Google Shape;173;p9:notes"/>
+          <p:cNvSpPr txBox="1">
+            <a:spLocks noGrp="1"/>
+          </p:cNvSpPr>
+          <p:nvPr>
+            <p:ph type="sldNum" idx="12"/>
+          </p:nvPr>
+        </p:nvSpPr>
+        <p:spPr>
+          <a:xfrm>
+            <a:off x="3885010" y="8684684"/>
+            <a:ext cx="2971800" cy="457200"/>
+          </a:xfrm>
+          <a:prstGeom prst="rect">
+            <a:avLst/>
+          </a:prstGeom>
+          <a:noFill/>
+          <a:ln>
+            <a:noFill/>
+          </a:ln>
+        </p:spPr>
+        <p:txBody>
+          <a:bodyPr spcFirstLastPara="1" wrap="square" lIns="91425" tIns="45700" rIns="91425" bIns="45700" anchor="b" anchorCtr="0">
+            <a:noAutofit/>
+          </a:bodyPr>
+          <a:lstStyle/>
+          <a:p>
+            <a:pPr marL="0" lvl="0" indent="0" algn="r" rtl="0">
+              <a:spcBef>
+                <a:spcPts val="0"/>
+              </a:spcBef>
+              <a:spcAft>
+                <a:spcPts val="0"/>
+              </a:spcAft>
+              <a:buNone/>
+            </a:pPr>
+            <a:fld id="{00000000-1234-1234-1234-123412341234}" type="slidenum">
+              <a:rPr lang="pt-BR"/>
+              <a:t>7</a:t>
+            </a:fld>
+            <a:endParaRPr/>
+          </a:p>
+        </p:txBody>
+      </p:sp>
+    </p:spTree>
+    <p:extLst>
+      <p:ext uri="{BB962C8B-B14F-4D97-AF65-F5344CB8AC3E}">
+        <p14:creationId xmlns:p14="http://schemas.microsoft.com/office/powerpoint/2010/main" val="1530189998"/>
+      </p:ext>
+    </p:extLst>
+  </p:cSld>
+  <p:clrMapOvr>
+    <a:masterClrMapping/>
+  </p:clrMapOvr>
+</p:notes>
+</file>
+
+<file path=ppt/notesSlides/notesSlide8.xml><?xml version="1.0" encoding="utf-8"?>
+<p:notes xmlns:a="http://schemas.openxmlformats.org/drawingml/2006/main" xmlns:r="http://schemas.openxmlformats.org/officeDocument/2006/relationships" xmlns:p="http://schemas.openxmlformats.org/presentationml/2006/main" showMasterSp="0" showMasterPhAnim="0">
+  <p:cSld>
+    <p:spTree>
+      <p:nvGrpSpPr>
+        <p:cNvPr id="1" name="Shape 170"/>
+        <p:cNvGrpSpPr/>
+        <p:nvPr/>
+      </p:nvGrpSpPr>
+      <p:grpSpPr>
+        <a:xfrm>
+          <a:off x="0" y="0"/>
+          <a:ext cx="0" cy="0"/>
+          <a:chOff x="0" y="0"/>
+          <a:chExt cx="0" cy="0"/>
+        </a:xfrm>
+      </p:grpSpPr>
+      <p:sp>
+        <p:nvSpPr>
+          <p:cNvPr id="171" name="Google Shape;171;p9:notes"/>
+          <p:cNvSpPr>
+            <a:spLocks noGrp="1" noRot="1" noChangeAspect="1"/>
+          </p:cNvSpPr>
+          <p:nvPr>
+            <p:ph type="sldImg" idx="2"/>
+          </p:nvPr>
+        </p:nvSpPr>
+        <p:spPr>
+          <a:xfrm>
+            <a:off x="382588" y="685800"/>
+            <a:ext cx="6092825" cy="3429000"/>
+          </a:xfrm>
+          <a:custGeom>
+            <a:avLst/>
+            <a:gdLst/>
+            <a:ahLst/>
+            <a:cxnLst/>
+            <a:rect l="l" t="t" r="r" b="b"/>
+            <a:pathLst>
+              <a:path w="120000" h="120000" extrusionOk="0">
+                <a:moveTo>
+                  <a:pt x="0" y="0"/>
+                </a:moveTo>
+                <a:lnTo>
+                  <a:pt x="120000" y="0"/>
+                </a:lnTo>
+                <a:lnTo>
+                  <a:pt x="120000" y="120000"/>
+                </a:lnTo>
+                <a:lnTo>
+                  <a:pt x="0" y="120000"/>
+                </a:lnTo>
+                <a:close/>
+              </a:path>
+            </a:pathLst>
+          </a:custGeom>
+          <a:noFill/>
+          <a:ln w="12700" cap="flat" cmpd="sng">
+            <a:solidFill>
+              <a:srgbClr val="000000"/>
+            </a:solidFill>
+            <a:prstDash val="solid"/>
+            <a:round/>
+            <a:headEnd type="none" w="sm" len="sm"/>
+            <a:tailEnd type="none" w="sm" len="sm"/>
+          </a:ln>
+        </p:spPr>
+      </p:sp>
+      <p:sp>
+        <p:nvSpPr>
+          <p:cNvPr id="172" name="Google Shape;172;p9:notes"/>
+          <p:cNvSpPr txBox="1">
+            <a:spLocks noGrp="1"/>
+          </p:cNvSpPr>
+          <p:nvPr>
+            <p:ph type="body" idx="1"/>
+          </p:nvPr>
+        </p:nvSpPr>
+        <p:spPr>
+          <a:xfrm>
+            <a:off x="685800" y="4343400"/>
+            <a:ext cx="5486400" cy="4114800"/>
+          </a:xfrm>
+          <a:prstGeom prst="rect">
+            <a:avLst/>
+          </a:prstGeom>
+          <a:noFill/>
+          <a:ln>
+            <a:noFill/>
+          </a:ln>
+        </p:spPr>
+        <p:txBody>
+          <a:bodyPr spcFirstLastPara="1" wrap="square" lIns="91425" tIns="45700" rIns="91425" bIns="45700" anchor="t" anchorCtr="0">
+            <a:noAutofit/>
+          </a:bodyPr>
+          <a:lstStyle/>
+          <a:p>
+            <a:pPr marL="0" lvl="0" indent="0" algn="l" rtl="0">
+              <a:spcBef>
+                <a:spcPts val="0"/>
+              </a:spcBef>
+              <a:spcAft>
+                <a:spcPts val="0"/>
+              </a:spcAft>
+              <a:buNone/>
+            </a:pPr>
+            <a:endParaRPr/>
+          </a:p>
+        </p:txBody>
+      </p:sp>
+      <p:sp>
+        <p:nvSpPr>
+          <p:cNvPr id="173" name="Google Shape;173;p9:notes"/>
+          <p:cNvSpPr txBox="1">
+            <a:spLocks noGrp="1"/>
+          </p:cNvSpPr>
+          <p:nvPr>
+            <p:ph type="sldNum" idx="12"/>
+          </p:nvPr>
+        </p:nvSpPr>
+        <p:spPr>
+          <a:xfrm>
+            <a:off x="3885010" y="8684684"/>
+            <a:ext cx="2971800" cy="457200"/>
+          </a:xfrm>
+          <a:prstGeom prst="rect">
+            <a:avLst/>
+          </a:prstGeom>
+          <a:noFill/>
+          <a:ln>
+            <a:noFill/>
+          </a:ln>
+        </p:spPr>
+        <p:txBody>
+          <a:bodyPr spcFirstLastPara="1" wrap="square" lIns="91425" tIns="45700" rIns="91425" bIns="45700" anchor="b" anchorCtr="0">
+            <a:noAutofit/>
+          </a:bodyPr>
+          <a:lstStyle/>
+          <a:p>
+            <a:pPr marL="0" lvl="0" indent="0" algn="r" rtl="0">
+              <a:spcBef>
+                <a:spcPts val="0"/>
+              </a:spcBef>
+              <a:spcAft>
+                <a:spcPts val="0"/>
+              </a:spcAft>
+              <a:buNone/>
+            </a:pPr>
+            <a:fld id="{00000000-1234-1234-1234-123412341234}" type="slidenum">
+              <a:rPr lang="pt-BR"/>
+              <a:t>8</a:t>
+            </a:fld>
+            <a:endParaRPr/>
+          </a:p>
+        </p:txBody>
+      </p:sp>
+    </p:spTree>
+    <p:extLst>
+      <p:ext uri="{BB962C8B-B14F-4D97-AF65-F5344CB8AC3E}">
+        <p14:creationId xmlns:p14="http://schemas.microsoft.com/office/powerpoint/2010/main" val="1175671061"/>
+      </p:ext>
+    </p:extLst>
+  </p:cSld>
+  <p:clrMapOvr>
+    <a:masterClrMapping/>
+  </p:clrMapOvr>
+</p:notes>
+</file>
+
+<file path=ppt/notesSlides/notesSlide9.xml><?xml version="1.0" encoding="utf-8"?>
+<p:notes xmlns:a="http://schemas.openxmlformats.org/drawingml/2006/main" xmlns:r="http://schemas.openxmlformats.org/officeDocument/2006/relationships" xmlns:p="http://schemas.openxmlformats.org/presentationml/2006/main" showMasterSp="0" showMasterPhAnim="0">
+  <p:cSld>
+    <p:spTree>
+      <p:nvGrpSpPr>
+        <p:cNvPr id="1" name="Shape 170"/>
+        <p:cNvGrpSpPr/>
+        <p:nvPr/>
+      </p:nvGrpSpPr>
+      <p:grpSpPr>
+        <a:xfrm>
+          <a:off x="0" y="0"/>
+          <a:ext cx="0" cy="0"/>
+          <a:chOff x="0" y="0"/>
+          <a:chExt cx="0" cy="0"/>
+        </a:xfrm>
+      </p:grpSpPr>
+      <p:sp>
+        <p:nvSpPr>
+          <p:cNvPr id="171" name="Google Shape;171;p9:notes"/>
+          <p:cNvSpPr>
+            <a:spLocks noGrp="1" noRot="1" noChangeAspect="1"/>
+          </p:cNvSpPr>
+          <p:nvPr>
+            <p:ph type="sldImg" idx="2"/>
+          </p:nvPr>
+        </p:nvSpPr>
+        <p:spPr>
+          <a:xfrm>
+            <a:off x="382588" y="685800"/>
+            <a:ext cx="6092825" cy="3429000"/>
+          </a:xfrm>
+          <a:custGeom>
+            <a:avLst/>
+            <a:gdLst/>
+            <a:ahLst/>
+            <a:cxnLst/>
+            <a:rect l="l" t="t" r="r" b="b"/>
+            <a:pathLst>
+              <a:path w="120000" h="120000" extrusionOk="0">
+                <a:moveTo>
+                  <a:pt x="0" y="0"/>
+                </a:moveTo>
+                <a:lnTo>
+                  <a:pt x="120000" y="0"/>
+                </a:lnTo>
+                <a:lnTo>
+                  <a:pt x="120000" y="120000"/>
+                </a:lnTo>
+                <a:lnTo>
+                  <a:pt x="0" y="120000"/>
+                </a:lnTo>
+                <a:close/>
+              </a:path>
+            </a:pathLst>
+          </a:custGeom>
+          <a:noFill/>
+          <a:ln w="12700" cap="flat" cmpd="sng">
+            <a:solidFill>
+              <a:srgbClr val="000000"/>
+            </a:solidFill>
+            <a:prstDash val="solid"/>
+            <a:round/>
+            <a:headEnd type="none" w="sm" len="sm"/>
+            <a:tailEnd type="none" w="sm" len="sm"/>
+          </a:ln>
+        </p:spPr>
+      </p:sp>
+      <p:sp>
+        <p:nvSpPr>
+          <p:cNvPr id="172" name="Google Shape;172;p9:notes"/>
+          <p:cNvSpPr txBox="1">
+            <a:spLocks noGrp="1"/>
+          </p:cNvSpPr>
+          <p:nvPr>
+            <p:ph type="body" idx="1"/>
+          </p:nvPr>
+        </p:nvSpPr>
+        <p:spPr>
+          <a:xfrm>
+            <a:off x="685800" y="4343400"/>
+            <a:ext cx="5486400" cy="4114800"/>
+          </a:xfrm>
+          <a:prstGeom prst="rect">
+            <a:avLst/>
+          </a:prstGeom>
+          <a:noFill/>
+          <a:ln>
+            <a:noFill/>
+          </a:ln>
+        </p:spPr>
+        <p:txBody>
+          <a:bodyPr spcFirstLastPara="1" wrap="square" lIns="91425" tIns="45700" rIns="91425" bIns="45700" anchor="t" anchorCtr="0">
+            <a:noAutofit/>
+          </a:bodyPr>
+          <a:lstStyle/>
+          <a:p>
+            <a:pPr marL="0" lvl="0" indent="0" algn="l" rtl="0">
+              <a:spcBef>
+                <a:spcPts val="0"/>
+              </a:spcBef>
+              <a:spcAft>
+                <a:spcPts val="0"/>
+              </a:spcAft>
+              <a:buNone/>
+            </a:pPr>
+            <a:endParaRPr/>
+          </a:p>
+        </p:txBody>
+      </p:sp>
+      <p:sp>
+        <p:nvSpPr>
+          <p:cNvPr id="173" name="Google Shape;173;p9:notes"/>
+          <p:cNvSpPr txBox="1">
+            <a:spLocks noGrp="1"/>
+          </p:cNvSpPr>
+          <p:nvPr>
+            <p:ph type="sldNum" idx="12"/>
+          </p:nvPr>
+        </p:nvSpPr>
+        <p:spPr>
+          <a:xfrm>
+            <a:off x="3885010" y="8684684"/>
+            <a:ext cx="2971800" cy="457200"/>
+          </a:xfrm>
+          <a:prstGeom prst="rect">
+            <a:avLst/>
+          </a:prstGeom>
+          <a:noFill/>
+          <a:ln>
+            <a:noFill/>
+          </a:ln>
+        </p:spPr>
+        <p:txBody>
+          <a:bodyPr spcFirstLastPara="1" wrap="square" lIns="91425" tIns="45700" rIns="91425" bIns="45700" anchor="b" anchorCtr="0">
+            <a:noAutofit/>
+          </a:bodyPr>
+          <a:lstStyle/>
+          <a:p>
+            <a:pPr marL="0" lvl="0" indent="0" algn="r" rtl="0">
+              <a:spcBef>
+                <a:spcPts val="0"/>
+              </a:spcBef>
+              <a:spcAft>
+                <a:spcPts val="0"/>
+              </a:spcAft>
+              <a:buNone/>
+            </a:pPr>
+            <a:fld id="{00000000-1234-1234-1234-123412341234}" type="slidenum">
+              <a:rPr lang="pt-BR"/>
+              <a:t>9</a:t>
+            </a:fld>
+            <a:endParaRPr/>
+          </a:p>
+        </p:txBody>
+      </p:sp>
+    </p:spTree>
+    <p:extLst>
+      <p:ext uri="{BB962C8B-B14F-4D97-AF65-F5344CB8AC3E}">
+        <p14:creationId xmlns:p14="http://schemas.microsoft.com/office/powerpoint/2010/main" val="2888316675"/>
       </p:ext>
     </p:extLst>
   </p:cSld>
@@ -13208,6 +16438,1066 @@
 </p:sld>
 </file>
 
+<file path=ppt/slides/slide10.xml><?xml version="1.0" encoding="utf-8"?>
+<p:sld xmlns:a="http://schemas.openxmlformats.org/drawingml/2006/main" xmlns:r="http://schemas.openxmlformats.org/officeDocument/2006/relationships" xmlns:p="http://schemas.openxmlformats.org/presentationml/2006/main">
+  <p:cSld>
+    <p:spTree>
+      <p:nvGrpSpPr>
+        <p:cNvPr id="1" name="Shape 174"/>
+        <p:cNvGrpSpPr/>
+        <p:nvPr/>
+      </p:nvGrpSpPr>
+      <p:grpSpPr>
+        <a:xfrm>
+          <a:off x="0" y="0"/>
+          <a:ext cx="0" cy="0"/>
+          <a:chOff x="0" y="0"/>
+          <a:chExt cx="0" cy="0"/>
+        </a:xfrm>
+      </p:grpSpPr>
+      <p:sp>
+        <p:nvSpPr>
+          <p:cNvPr id="24" name="Google Shape;213;p22"/>
+          <p:cNvSpPr/>
+          <p:nvPr/>
+        </p:nvSpPr>
+        <p:spPr>
+          <a:xfrm>
+            <a:off x="567049" y="0"/>
+            <a:ext cx="7908736" cy="326700"/>
+          </a:xfrm>
+          <a:prstGeom prst="rect">
+            <a:avLst/>
+          </a:prstGeom>
+          <a:solidFill>
+            <a:schemeClr val="accent1"/>
+          </a:solidFill>
+          <a:ln w="12700" cap="flat" cmpd="sng">
+            <a:solidFill>
+              <a:srgbClr val="517E33"/>
+            </a:solidFill>
+            <a:prstDash val="solid"/>
+            <a:miter lim="800000"/>
+            <a:headEnd type="none" w="sm" len="sm"/>
+            <a:tailEnd type="none" w="sm" len="sm"/>
+          </a:ln>
+        </p:spPr>
+        <p:txBody>
+          <a:bodyPr spcFirstLastPara="1" wrap="square" lIns="91425" tIns="45700" rIns="91425" bIns="45700" anchor="ctr" anchorCtr="0">
+            <a:noAutofit/>
+          </a:bodyPr>
+          <a:lstStyle/>
+          <a:p>
+            <a:pPr lvl="0" algn="ctr"/>
+            <a:r>
+              <a:rPr lang="pt-BR" sz="2800" dirty="0">
+                <a:solidFill>
+                  <a:schemeClr val="lt1"/>
+                </a:solidFill>
+                <a:latin typeface="Calibri"/>
+                <a:ea typeface="Calibri"/>
+                <a:cs typeface="Calibri"/>
+                <a:sym typeface="Calibri"/>
+              </a:rPr>
+              <a:t>Organização e Arquitetura de Computadores</a:t>
+            </a:r>
+          </a:p>
+        </p:txBody>
+      </p:sp>
+      <p:pic>
+        <p:nvPicPr>
+          <p:cNvPr id="2" name="Imagem 1"/>
+          <p:cNvPicPr>
+            <a:picLocks noChangeAspect="1"/>
+          </p:cNvPicPr>
+          <p:nvPr/>
+        </p:nvPicPr>
+        <p:blipFill>
+          <a:blip r:embed="rId3"/>
+          <a:stretch>
+            <a:fillRect/>
+          </a:stretch>
+        </p:blipFill>
+        <p:spPr>
+          <a:xfrm>
+            <a:off x="567049" y="401526"/>
+            <a:ext cx="7908735" cy="4289227"/>
+          </a:xfrm>
+          <a:prstGeom prst="rect">
+            <a:avLst/>
+          </a:prstGeom>
+        </p:spPr>
+      </p:pic>
+    </p:spTree>
+    <p:extLst>
+      <p:ext uri="{BB962C8B-B14F-4D97-AF65-F5344CB8AC3E}">
+        <p14:creationId xmlns:p14="http://schemas.microsoft.com/office/powerpoint/2010/main" val="561865784"/>
+      </p:ext>
+    </p:extLst>
+  </p:cSld>
+  <p:clrMapOvr>
+    <a:masterClrMapping/>
+  </p:clrMapOvr>
+  <p:transition spd="slow">
+    <p:fade thruBlk="1"/>
+  </p:transition>
+</p:sld>
+</file>
+
+<file path=ppt/slides/slide11.xml><?xml version="1.0" encoding="utf-8"?>
+<p:sld xmlns:a="http://schemas.openxmlformats.org/drawingml/2006/main" xmlns:r="http://schemas.openxmlformats.org/officeDocument/2006/relationships" xmlns:p="http://schemas.openxmlformats.org/presentationml/2006/main">
+  <p:cSld>
+    <p:spTree>
+      <p:nvGrpSpPr>
+        <p:cNvPr id="1" name="Shape 174"/>
+        <p:cNvGrpSpPr/>
+        <p:nvPr/>
+      </p:nvGrpSpPr>
+      <p:grpSpPr>
+        <a:xfrm>
+          <a:off x="0" y="0"/>
+          <a:ext cx="0" cy="0"/>
+          <a:chOff x="0" y="0"/>
+          <a:chExt cx="0" cy="0"/>
+        </a:xfrm>
+      </p:grpSpPr>
+      <p:sp>
+        <p:nvSpPr>
+          <p:cNvPr id="24" name="Google Shape;213;p22"/>
+          <p:cNvSpPr/>
+          <p:nvPr/>
+        </p:nvSpPr>
+        <p:spPr>
+          <a:xfrm>
+            <a:off x="567049" y="0"/>
+            <a:ext cx="7908736" cy="326700"/>
+          </a:xfrm>
+          <a:prstGeom prst="rect">
+            <a:avLst/>
+          </a:prstGeom>
+          <a:solidFill>
+            <a:schemeClr val="accent1"/>
+          </a:solidFill>
+          <a:ln w="12700" cap="flat" cmpd="sng">
+            <a:solidFill>
+              <a:srgbClr val="517E33"/>
+            </a:solidFill>
+            <a:prstDash val="solid"/>
+            <a:miter lim="800000"/>
+            <a:headEnd type="none" w="sm" len="sm"/>
+            <a:tailEnd type="none" w="sm" len="sm"/>
+          </a:ln>
+        </p:spPr>
+        <p:txBody>
+          <a:bodyPr spcFirstLastPara="1" wrap="square" lIns="91425" tIns="45700" rIns="91425" bIns="45700" anchor="ctr" anchorCtr="0">
+            <a:noAutofit/>
+          </a:bodyPr>
+          <a:lstStyle/>
+          <a:p>
+            <a:pPr lvl="0" algn="ctr"/>
+            <a:r>
+              <a:rPr lang="pt-BR" sz="2800" dirty="0">
+                <a:solidFill>
+                  <a:schemeClr val="lt1"/>
+                </a:solidFill>
+                <a:latin typeface="Calibri"/>
+                <a:ea typeface="Calibri"/>
+                <a:cs typeface="Calibri"/>
+                <a:sym typeface="Calibri"/>
+              </a:rPr>
+              <a:t>Organização e Arquitetura de Computadores</a:t>
+            </a:r>
+          </a:p>
+        </p:txBody>
+      </p:sp>
+      <p:pic>
+        <p:nvPicPr>
+          <p:cNvPr id="3" name="Imagem 2"/>
+          <p:cNvPicPr>
+            <a:picLocks noChangeAspect="1"/>
+          </p:cNvPicPr>
+          <p:nvPr/>
+        </p:nvPicPr>
+        <p:blipFill>
+          <a:blip r:embed="rId3"/>
+          <a:stretch>
+            <a:fillRect/>
+          </a:stretch>
+        </p:blipFill>
+        <p:spPr>
+          <a:xfrm>
+            <a:off x="567049" y="396479"/>
+            <a:ext cx="7769429" cy="4322619"/>
+          </a:xfrm>
+          <a:prstGeom prst="rect">
+            <a:avLst/>
+          </a:prstGeom>
+        </p:spPr>
+      </p:pic>
+    </p:spTree>
+    <p:extLst>
+      <p:ext uri="{BB962C8B-B14F-4D97-AF65-F5344CB8AC3E}">
+        <p14:creationId xmlns:p14="http://schemas.microsoft.com/office/powerpoint/2010/main" val="1898265234"/>
+      </p:ext>
+    </p:extLst>
+  </p:cSld>
+  <p:clrMapOvr>
+    <a:masterClrMapping/>
+  </p:clrMapOvr>
+  <p:transition spd="slow">
+    <p:fade thruBlk="1"/>
+  </p:transition>
+</p:sld>
+</file>
+
+<file path=ppt/slides/slide12.xml><?xml version="1.0" encoding="utf-8"?>
+<p:sld xmlns:a="http://schemas.openxmlformats.org/drawingml/2006/main" xmlns:r="http://schemas.openxmlformats.org/officeDocument/2006/relationships" xmlns:p="http://schemas.openxmlformats.org/presentationml/2006/main">
+  <p:cSld>
+    <p:spTree>
+      <p:nvGrpSpPr>
+        <p:cNvPr id="1" name="Shape 174"/>
+        <p:cNvGrpSpPr/>
+        <p:nvPr/>
+      </p:nvGrpSpPr>
+      <p:grpSpPr>
+        <a:xfrm>
+          <a:off x="0" y="0"/>
+          <a:ext cx="0" cy="0"/>
+          <a:chOff x="0" y="0"/>
+          <a:chExt cx="0" cy="0"/>
+        </a:xfrm>
+      </p:grpSpPr>
+      <p:sp>
+        <p:nvSpPr>
+          <p:cNvPr id="24" name="Google Shape;213;p22"/>
+          <p:cNvSpPr/>
+          <p:nvPr/>
+        </p:nvSpPr>
+        <p:spPr>
+          <a:xfrm>
+            <a:off x="567049" y="0"/>
+            <a:ext cx="7908736" cy="326700"/>
+          </a:xfrm>
+          <a:prstGeom prst="rect">
+            <a:avLst/>
+          </a:prstGeom>
+          <a:solidFill>
+            <a:schemeClr val="accent1"/>
+          </a:solidFill>
+          <a:ln w="12700" cap="flat" cmpd="sng">
+            <a:solidFill>
+              <a:srgbClr val="517E33"/>
+            </a:solidFill>
+            <a:prstDash val="solid"/>
+            <a:miter lim="800000"/>
+            <a:headEnd type="none" w="sm" len="sm"/>
+            <a:tailEnd type="none" w="sm" len="sm"/>
+          </a:ln>
+        </p:spPr>
+        <p:txBody>
+          <a:bodyPr spcFirstLastPara="1" wrap="square" lIns="91425" tIns="45700" rIns="91425" bIns="45700" anchor="ctr" anchorCtr="0">
+            <a:noAutofit/>
+          </a:bodyPr>
+          <a:lstStyle/>
+          <a:p>
+            <a:pPr lvl="0" algn="ctr"/>
+            <a:r>
+              <a:rPr lang="pt-BR" sz="2800" dirty="0">
+                <a:solidFill>
+                  <a:schemeClr val="lt1"/>
+                </a:solidFill>
+                <a:latin typeface="Calibri"/>
+                <a:ea typeface="Calibri"/>
+                <a:cs typeface="Calibri"/>
+                <a:sym typeface="Calibri"/>
+              </a:rPr>
+              <a:t>Organização e Arquitetura de Computadores</a:t>
+            </a:r>
+          </a:p>
+        </p:txBody>
+      </p:sp>
+      <p:pic>
+        <p:nvPicPr>
+          <p:cNvPr id="2" name="Imagem 1"/>
+          <p:cNvPicPr>
+            <a:picLocks noChangeAspect="1"/>
+          </p:cNvPicPr>
+          <p:nvPr/>
+        </p:nvPicPr>
+        <p:blipFill>
+          <a:blip r:embed="rId3"/>
+          <a:stretch>
+            <a:fillRect/>
+          </a:stretch>
+        </p:blipFill>
+        <p:spPr>
+          <a:xfrm>
+            <a:off x="567049" y="400207"/>
+            <a:ext cx="7769429" cy="4314297"/>
+          </a:xfrm>
+          <a:prstGeom prst="rect">
+            <a:avLst/>
+          </a:prstGeom>
+        </p:spPr>
+      </p:pic>
+    </p:spTree>
+    <p:extLst>
+      <p:ext uri="{BB962C8B-B14F-4D97-AF65-F5344CB8AC3E}">
+        <p14:creationId xmlns:p14="http://schemas.microsoft.com/office/powerpoint/2010/main" val="1618935039"/>
+      </p:ext>
+    </p:extLst>
+  </p:cSld>
+  <p:clrMapOvr>
+    <a:masterClrMapping/>
+  </p:clrMapOvr>
+  <p:transition spd="slow">
+    <p:fade thruBlk="1"/>
+  </p:transition>
+</p:sld>
+</file>
+
+<file path=ppt/slides/slide13.xml><?xml version="1.0" encoding="utf-8"?>
+<p:sld xmlns:a="http://schemas.openxmlformats.org/drawingml/2006/main" xmlns:r="http://schemas.openxmlformats.org/officeDocument/2006/relationships" xmlns:p="http://schemas.openxmlformats.org/presentationml/2006/main">
+  <p:cSld>
+    <p:spTree>
+      <p:nvGrpSpPr>
+        <p:cNvPr id="1" name="Shape 174"/>
+        <p:cNvGrpSpPr/>
+        <p:nvPr/>
+      </p:nvGrpSpPr>
+      <p:grpSpPr>
+        <a:xfrm>
+          <a:off x="0" y="0"/>
+          <a:ext cx="0" cy="0"/>
+          <a:chOff x="0" y="0"/>
+          <a:chExt cx="0" cy="0"/>
+        </a:xfrm>
+      </p:grpSpPr>
+      <p:sp>
+        <p:nvSpPr>
+          <p:cNvPr id="24" name="Google Shape;213;p22"/>
+          <p:cNvSpPr/>
+          <p:nvPr/>
+        </p:nvSpPr>
+        <p:spPr>
+          <a:xfrm>
+            <a:off x="567049" y="0"/>
+            <a:ext cx="7908736" cy="326700"/>
+          </a:xfrm>
+          <a:prstGeom prst="rect">
+            <a:avLst/>
+          </a:prstGeom>
+          <a:solidFill>
+            <a:schemeClr val="accent1"/>
+          </a:solidFill>
+          <a:ln w="12700" cap="flat" cmpd="sng">
+            <a:solidFill>
+              <a:srgbClr val="517E33"/>
+            </a:solidFill>
+            <a:prstDash val="solid"/>
+            <a:miter lim="800000"/>
+            <a:headEnd type="none" w="sm" len="sm"/>
+            <a:tailEnd type="none" w="sm" len="sm"/>
+          </a:ln>
+        </p:spPr>
+        <p:txBody>
+          <a:bodyPr spcFirstLastPara="1" wrap="square" lIns="91425" tIns="45700" rIns="91425" bIns="45700" anchor="ctr" anchorCtr="0">
+            <a:noAutofit/>
+          </a:bodyPr>
+          <a:lstStyle/>
+          <a:p>
+            <a:pPr lvl="0" algn="ctr"/>
+            <a:r>
+              <a:rPr lang="pt-BR" sz="2800" dirty="0">
+                <a:solidFill>
+                  <a:schemeClr val="lt1"/>
+                </a:solidFill>
+                <a:latin typeface="Calibri"/>
+                <a:ea typeface="Calibri"/>
+                <a:cs typeface="Calibri"/>
+                <a:sym typeface="Calibri"/>
+              </a:rPr>
+              <a:t>Organização e Arquitetura de Computadores</a:t>
+            </a:r>
+          </a:p>
+        </p:txBody>
+      </p:sp>
+      <p:pic>
+        <p:nvPicPr>
+          <p:cNvPr id="3" name="Imagem 2"/>
+          <p:cNvPicPr>
+            <a:picLocks noChangeAspect="1"/>
+          </p:cNvPicPr>
+          <p:nvPr/>
+        </p:nvPicPr>
+        <p:blipFill>
+          <a:blip r:embed="rId3"/>
+          <a:stretch>
+            <a:fillRect/>
+          </a:stretch>
+        </p:blipFill>
+        <p:spPr>
+          <a:xfrm>
+            <a:off x="1335268" y="478614"/>
+            <a:ext cx="6372297" cy="4176514"/>
+          </a:xfrm>
+          <a:prstGeom prst="rect">
+            <a:avLst/>
+          </a:prstGeom>
+        </p:spPr>
+      </p:pic>
+    </p:spTree>
+    <p:extLst>
+      <p:ext uri="{BB962C8B-B14F-4D97-AF65-F5344CB8AC3E}">
+        <p14:creationId xmlns:p14="http://schemas.microsoft.com/office/powerpoint/2010/main" val="4049794325"/>
+      </p:ext>
+    </p:extLst>
+  </p:cSld>
+  <p:clrMapOvr>
+    <a:masterClrMapping/>
+  </p:clrMapOvr>
+  <p:transition spd="slow">
+    <p:fade thruBlk="1"/>
+  </p:transition>
+</p:sld>
+</file>
+
+<file path=ppt/slides/slide14.xml><?xml version="1.0" encoding="utf-8"?>
+<p:sld xmlns:a="http://schemas.openxmlformats.org/drawingml/2006/main" xmlns:r="http://schemas.openxmlformats.org/officeDocument/2006/relationships" xmlns:p="http://schemas.openxmlformats.org/presentationml/2006/main">
+  <p:cSld>
+    <p:spTree>
+      <p:nvGrpSpPr>
+        <p:cNvPr id="1" name="Shape 174"/>
+        <p:cNvGrpSpPr/>
+        <p:nvPr/>
+      </p:nvGrpSpPr>
+      <p:grpSpPr>
+        <a:xfrm>
+          <a:off x="0" y="0"/>
+          <a:ext cx="0" cy="0"/>
+          <a:chOff x="0" y="0"/>
+          <a:chExt cx="0" cy="0"/>
+        </a:xfrm>
+      </p:grpSpPr>
+      <p:sp>
+        <p:nvSpPr>
+          <p:cNvPr id="24" name="Google Shape;213;p22"/>
+          <p:cNvSpPr/>
+          <p:nvPr/>
+        </p:nvSpPr>
+        <p:spPr>
+          <a:xfrm>
+            <a:off x="567049" y="0"/>
+            <a:ext cx="7908736" cy="326700"/>
+          </a:xfrm>
+          <a:prstGeom prst="rect">
+            <a:avLst/>
+          </a:prstGeom>
+          <a:solidFill>
+            <a:schemeClr val="accent1"/>
+          </a:solidFill>
+          <a:ln w="12700" cap="flat" cmpd="sng">
+            <a:solidFill>
+              <a:srgbClr val="517E33"/>
+            </a:solidFill>
+            <a:prstDash val="solid"/>
+            <a:miter lim="800000"/>
+            <a:headEnd type="none" w="sm" len="sm"/>
+            <a:tailEnd type="none" w="sm" len="sm"/>
+          </a:ln>
+        </p:spPr>
+        <p:txBody>
+          <a:bodyPr spcFirstLastPara="1" wrap="square" lIns="91425" tIns="45700" rIns="91425" bIns="45700" anchor="ctr" anchorCtr="0">
+            <a:noAutofit/>
+          </a:bodyPr>
+          <a:lstStyle/>
+          <a:p>
+            <a:pPr lvl="0" algn="ctr"/>
+            <a:r>
+              <a:rPr lang="pt-BR" sz="2800" dirty="0">
+                <a:solidFill>
+                  <a:schemeClr val="lt1"/>
+                </a:solidFill>
+                <a:latin typeface="Calibri"/>
+                <a:ea typeface="Calibri"/>
+                <a:cs typeface="Calibri"/>
+                <a:sym typeface="Calibri"/>
+              </a:rPr>
+              <a:t>Organização e Arquitetura de Computadores</a:t>
+            </a:r>
+          </a:p>
+        </p:txBody>
+      </p:sp>
+      <p:pic>
+        <p:nvPicPr>
+          <p:cNvPr id="2" name="Imagem 1"/>
+          <p:cNvPicPr>
+            <a:picLocks noChangeAspect="1"/>
+          </p:cNvPicPr>
+          <p:nvPr/>
+        </p:nvPicPr>
+        <p:blipFill>
+          <a:blip r:embed="rId3"/>
+          <a:stretch>
+            <a:fillRect/>
+          </a:stretch>
+        </p:blipFill>
+        <p:spPr>
+          <a:xfrm>
+            <a:off x="567049" y="381061"/>
+            <a:ext cx="7908735" cy="4369069"/>
+          </a:xfrm>
+          <a:prstGeom prst="rect">
+            <a:avLst/>
+          </a:prstGeom>
+        </p:spPr>
+      </p:pic>
+    </p:spTree>
+    <p:extLst>
+      <p:ext uri="{BB962C8B-B14F-4D97-AF65-F5344CB8AC3E}">
+        <p14:creationId xmlns:p14="http://schemas.microsoft.com/office/powerpoint/2010/main" val="3108123727"/>
+      </p:ext>
+    </p:extLst>
+  </p:cSld>
+  <p:clrMapOvr>
+    <a:masterClrMapping/>
+  </p:clrMapOvr>
+  <p:transition spd="slow">
+    <p:fade thruBlk="1"/>
+  </p:transition>
+</p:sld>
+</file>
+
+<file path=ppt/slides/slide15.xml><?xml version="1.0" encoding="utf-8"?>
+<p:sld xmlns:a="http://schemas.openxmlformats.org/drawingml/2006/main" xmlns:r="http://schemas.openxmlformats.org/officeDocument/2006/relationships" xmlns:p="http://schemas.openxmlformats.org/presentationml/2006/main">
+  <p:cSld>
+    <p:spTree>
+      <p:nvGrpSpPr>
+        <p:cNvPr id="1" name="Shape 174"/>
+        <p:cNvGrpSpPr/>
+        <p:nvPr/>
+      </p:nvGrpSpPr>
+      <p:grpSpPr>
+        <a:xfrm>
+          <a:off x="0" y="0"/>
+          <a:ext cx="0" cy="0"/>
+          <a:chOff x="0" y="0"/>
+          <a:chExt cx="0" cy="0"/>
+        </a:xfrm>
+      </p:grpSpPr>
+      <p:sp>
+        <p:nvSpPr>
+          <p:cNvPr id="24" name="Google Shape;213;p22"/>
+          <p:cNvSpPr/>
+          <p:nvPr/>
+        </p:nvSpPr>
+        <p:spPr>
+          <a:xfrm>
+            <a:off x="567049" y="0"/>
+            <a:ext cx="7908736" cy="326700"/>
+          </a:xfrm>
+          <a:prstGeom prst="rect">
+            <a:avLst/>
+          </a:prstGeom>
+          <a:solidFill>
+            <a:schemeClr val="accent1"/>
+          </a:solidFill>
+          <a:ln w="12700" cap="flat" cmpd="sng">
+            <a:solidFill>
+              <a:srgbClr val="517E33"/>
+            </a:solidFill>
+            <a:prstDash val="solid"/>
+            <a:miter lim="800000"/>
+            <a:headEnd type="none" w="sm" len="sm"/>
+            <a:tailEnd type="none" w="sm" len="sm"/>
+          </a:ln>
+        </p:spPr>
+        <p:txBody>
+          <a:bodyPr spcFirstLastPara="1" wrap="square" lIns="91425" tIns="45700" rIns="91425" bIns="45700" anchor="ctr" anchorCtr="0">
+            <a:noAutofit/>
+          </a:bodyPr>
+          <a:lstStyle/>
+          <a:p>
+            <a:pPr lvl="0" algn="ctr"/>
+            <a:r>
+              <a:rPr lang="pt-BR" sz="2800" dirty="0">
+                <a:solidFill>
+                  <a:schemeClr val="lt1"/>
+                </a:solidFill>
+                <a:latin typeface="Calibri"/>
+                <a:ea typeface="Calibri"/>
+                <a:cs typeface="Calibri"/>
+                <a:sym typeface="Calibri"/>
+              </a:rPr>
+              <a:t>Organização e Arquitetura de Computadores</a:t>
+            </a:r>
+          </a:p>
+        </p:txBody>
+      </p:sp>
+      <p:pic>
+        <p:nvPicPr>
+          <p:cNvPr id="3" name="Imagem 2"/>
+          <p:cNvPicPr>
+            <a:picLocks noChangeAspect="1"/>
+          </p:cNvPicPr>
+          <p:nvPr/>
+        </p:nvPicPr>
+        <p:blipFill>
+          <a:blip r:embed="rId3"/>
+          <a:stretch>
+            <a:fillRect/>
+          </a:stretch>
+        </p:blipFill>
+        <p:spPr>
+          <a:xfrm>
+            <a:off x="771896" y="486888"/>
+            <a:ext cx="7386452" cy="4180115"/>
+          </a:xfrm>
+          <a:prstGeom prst="rect">
+            <a:avLst/>
+          </a:prstGeom>
+        </p:spPr>
+      </p:pic>
+    </p:spTree>
+    <p:extLst>
+      <p:ext uri="{BB962C8B-B14F-4D97-AF65-F5344CB8AC3E}">
+        <p14:creationId xmlns:p14="http://schemas.microsoft.com/office/powerpoint/2010/main" val="1747956331"/>
+      </p:ext>
+    </p:extLst>
+  </p:cSld>
+  <p:clrMapOvr>
+    <a:masterClrMapping/>
+  </p:clrMapOvr>
+  <p:transition spd="slow">
+    <p:fade thruBlk="1"/>
+  </p:transition>
+</p:sld>
+</file>
+
+<file path=ppt/slides/slide16.xml><?xml version="1.0" encoding="utf-8"?>
+<p:sld xmlns:a="http://schemas.openxmlformats.org/drawingml/2006/main" xmlns:r="http://schemas.openxmlformats.org/officeDocument/2006/relationships" xmlns:p="http://schemas.openxmlformats.org/presentationml/2006/main">
+  <p:cSld>
+    <p:spTree>
+      <p:nvGrpSpPr>
+        <p:cNvPr id="1" name="Shape 174"/>
+        <p:cNvGrpSpPr/>
+        <p:nvPr/>
+      </p:nvGrpSpPr>
+      <p:grpSpPr>
+        <a:xfrm>
+          <a:off x="0" y="0"/>
+          <a:ext cx="0" cy="0"/>
+          <a:chOff x="0" y="0"/>
+          <a:chExt cx="0" cy="0"/>
+        </a:xfrm>
+      </p:grpSpPr>
+      <p:sp>
+        <p:nvSpPr>
+          <p:cNvPr id="24" name="Google Shape;213;p22"/>
+          <p:cNvSpPr/>
+          <p:nvPr/>
+        </p:nvSpPr>
+        <p:spPr>
+          <a:xfrm>
+            <a:off x="567049" y="0"/>
+            <a:ext cx="7908736" cy="326700"/>
+          </a:xfrm>
+          <a:prstGeom prst="rect">
+            <a:avLst/>
+          </a:prstGeom>
+          <a:solidFill>
+            <a:schemeClr val="accent1"/>
+          </a:solidFill>
+          <a:ln w="12700" cap="flat" cmpd="sng">
+            <a:solidFill>
+              <a:srgbClr val="517E33"/>
+            </a:solidFill>
+            <a:prstDash val="solid"/>
+            <a:miter lim="800000"/>
+            <a:headEnd type="none" w="sm" len="sm"/>
+            <a:tailEnd type="none" w="sm" len="sm"/>
+          </a:ln>
+        </p:spPr>
+        <p:txBody>
+          <a:bodyPr spcFirstLastPara="1" wrap="square" lIns="91425" tIns="45700" rIns="91425" bIns="45700" anchor="ctr" anchorCtr="0">
+            <a:noAutofit/>
+          </a:bodyPr>
+          <a:lstStyle/>
+          <a:p>
+            <a:pPr lvl="0" algn="ctr"/>
+            <a:r>
+              <a:rPr lang="pt-BR" sz="2800" dirty="0">
+                <a:solidFill>
+                  <a:schemeClr val="lt1"/>
+                </a:solidFill>
+                <a:latin typeface="Calibri"/>
+                <a:ea typeface="Calibri"/>
+                <a:cs typeface="Calibri"/>
+                <a:sym typeface="Calibri"/>
+              </a:rPr>
+              <a:t>Organização e Arquitetura de Computadores</a:t>
+            </a:r>
+          </a:p>
+        </p:txBody>
+      </p:sp>
+      <p:pic>
+        <p:nvPicPr>
+          <p:cNvPr id="2" name="Imagem 1"/>
+          <p:cNvPicPr>
+            <a:picLocks noChangeAspect="1"/>
+          </p:cNvPicPr>
+          <p:nvPr/>
+        </p:nvPicPr>
+        <p:blipFill>
+          <a:blip r:embed="rId3"/>
+          <a:stretch>
+            <a:fillRect/>
+          </a:stretch>
+        </p:blipFill>
+        <p:spPr>
+          <a:xfrm>
+            <a:off x="676895" y="401608"/>
+            <a:ext cx="7659584" cy="4289146"/>
+          </a:xfrm>
+          <a:prstGeom prst="rect">
+            <a:avLst/>
+          </a:prstGeom>
+        </p:spPr>
+      </p:pic>
+    </p:spTree>
+    <p:extLst>
+      <p:ext uri="{BB962C8B-B14F-4D97-AF65-F5344CB8AC3E}">
+        <p14:creationId xmlns:p14="http://schemas.microsoft.com/office/powerpoint/2010/main" val="2491298727"/>
+      </p:ext>
+    </p:extLst>
+  </p:cSld>
+  <p:clrMapOvr>
+    <a:masterClrMapping/>
+  </p:clrMapOvr>
+  <p:transition spd="slow">
+    <p:fade thruBlk="1"/>
+  </p:transition>
+</p:sld>
+</file>
+
+<file path=ppt/slides/slide17.xml><?xml version="1.0" encoding="utf-8"?>
+<p:sld xmlns:a="http://schemas.openxmlformats.org/drawingml/2006/main" xmlns:r="http://schemas.openxmlformats.org/officeDocument/2006/relationships" xmlns:p="http://schemas.openxmlformats.org/presentationml/2006/main">
+  <p:cSld>
+    <p:spTree>
+      <p:nvGrpSpPr>
+        <p:cNvPr id="1" name="Shape 174"/>
+        <p:cNvGrpSpPr/>
+        <p:nvPr/>
+      </p:nvGrpSpPr>
+      <p:grpSpPr>
+        <a:xfrm>
+          <a:off x="0" y="0"/>
+          <a:ext cx="0" cy="0"/>
+          <a:chOff x="0" y="0"/>
+          <a:chExt cx="0" cy="0"/>
+        </a:xfrm>
+      </p:grpSpPr>
+      <p:sp>
+        <p:nvSpPr>
+          <p:cNvPr id="24" name="Google Shape;213;p22"/>
+          <p:cNvSpPr/>
+          <p:nvPr/>
+        </p:nvSpPr>
+        <p:spPr>
+          <a:xfrm>
+            <a:off x="567049" y="0"/>
+            <a:ext cx="7908736" cy="326700"/>
+          </a:xfrm>
+          <a:prstGeom prst="rect">
+            <a:avLst/>
+          </a:prstGeom>
+          <a:solidFill>
+            <a:schemeClr val="accent1"/>
+          </a:solidFill>
+          <a:ln w="12700" cap="flat" cmpd="sng">
+            <a:solidFill>
+              <a:srgbClr val="517E33"/>
+            </a:solidFill>
+            <a:prstDash val="solid"/>
+            <a:miter lim="800000"/>
+            <a:headEnd type="none" w="sm" len="sm"/>
+            <a:tailEnd type="none" w="sm" len="sm"/>
+          </a:ln>
+        </p:spPr>
+        <p:txBody>
+          <a:bodyPr spcFirstLastPara="1" wrap="square" lIns="91425" tIns="45700" rIns="91425" bIns="45700" anchor="ctr" anchorCtr="0">
+            <a:noAutofit/>
+          </a:bodyPr>
+          <a:lstStyle/>
+          <a:p>
+            <a:pPr lvl="0" algn="ctr"/>
+            <a:r>
+              <a:rPr lang="pt-BR" sz="2800" dirty="0">
+                <a:solidFill>
+                  <a:schemeClr val="lt1"/>
+                </a:solidFill>
+                <a:latin typeface="Calibri"/>
+                <a:ea typeface="Calibri"/>
+                <a:cs typeface="Calibri"/>
+                <a:sym typeface="Calibri"/>
+              </a:rPr>
+              <a:t>Organização e Arquitetura de Computadores</a:t>
+            </a:r>
+          </a:p>
+        </p:txBody>
+      </p:sp>
+      <p:pic>
+        <p:nvPicPr>
+          <p:cNvPr id="3" name="Imagem 2"/>
+          <p:cNvPicPr>
+            <a:picLocks noChangeAspect="1"/>
+          </p:cNvPicPr>
+          <p:nvPr/>
+        </p:nvPicPr>
+        <p:blipFill>
+          <a:blip r:embed="rId3"/>
+          <a:stretch>
+            <a:fillRect/>
+          </a:stretch>
+        </p:blipFill>
+        <p:spPr>
+          <a:xfrm>
+            <a:off x="748145" y="422235"/>
+            <a:ext cx="7481455" cy="4268517"/>
+          </a:xfrm>
+          <a:prstGeom prst="rect">
+            <a:avLst/>
+          </a:prstGeom>
+        </p:spPr>
+      </p:pic>
+    </p:spTree>
+    <p:extLst>
+      <p:ext uri="{BB962C8B-B14F-4D97-AF65-F5344CB8AC3E}">
+        <p14:creationId xmlns:p14="http://schemas.microsoft.com/office/powerpoint/2010/main" val="2087139279"/>
+      </p:ext>
+    </p:extLst>
+  </p:cSld>
+  <p:clrMapOvr>
+    <a:masterClrMapping/>
+  </p:clrMapOvr>
+  <p:transition spd="slow">
+    <p:fade thruBlk="1"/>
+  </p:transition>
+</p:sld>
+</file>
+
+<file path=ppt/slides/slide18.xml><?xml version="1.0" encoding="utf-8"?>
+<p:sld xmlns:a="http://schemas.openxmlformats.org/drawingml/2006/main" xmlns:r="http://schemas.openxmlformats.org/officeDocument/2006/relationships" xmlns:p="http://schemas.openxmlformats.org/presentationml/2006/main">
+  <p:cSld>
+    <p:spTree>
+      <p:nvGrpSpPr>
+        <p:cNvPr id="1" name="Shape 174"/>
+        <p:cNvGrpSpPr/>
+        <p:nvPr/>
+      </p:nvGrpSpPr>
+      <p:grpSpPr>
+        <a:xfrm>
+          <a:off x="0" y="0"/>
+          <a:ext cx="0" cy="0"/>
+          <a:chOff x="0" y="0"/>
+          <a:chExt cx="0" cy="0"/>
+        </a:xfrm>
+      </p:grpSpPr>
+      <p:sp>
+        <p:nvSpPr>
+          <p:cNvPr id="24" name="Google Shape;213;p22"/>
+          <p:cNvSpPr/>
+          <p:nvPr/>
+        </p:nvSpPr>
+        <p:spPr>
+          <a:xfrm>
+            <a:off x="567049" y="0"/>
+            <a:ext cx="7908736" cy="326700"/>
+          </a:xfrm>
+          <a:prstGeom prst="rect">
+            <a:avLst/>
+          </a:prstGeom>
+          <a:solidFill>
+            <a:schemeClr val="accent1"/>
+          </a:solidFill>
+          <a:ln w="12700" cap="flat" cmpd="sng">
+            <a:solidFill>
+              <a:srgbClr val="517E33"/>
+            </a:solidFill>
+            <a:prstDash val="solid"/>
+            <a:miter lim="800000"/>
+            <a:headEnd type="none" w="sm" len="sm"/>
+            <a:tailEnd type="none" w="sm" len="sm"/>
+          </a:ln>
+        </p:spPr>
+        <p:txBody>
+          <a:bodyPr spcFirstLastPara="1" wrap="square" lIns="91425" tIns="45700" rIns="91425" bIns="45700" anchor="ctr" anchorCtr="0">
+            <a:noAutofit/>
+          </a:bodyPr>
+          <a:lstStyle/>
+          <a:p>
+            <a:pPr lvl="0" algn="ctr"/>
+            <a:r>
+              <a:rPr lang="pt-BR" sz="2800" dirty="0">
+                <a:solidFill>
+                  <a:schemeClr val="lt1"/>
+                </a:solidFill>
+                <a:latin typeface="Calibri"/>
+                <a:ea typeface="Calibri"/>
+                <a:cs typeface="Calibri"/>
+                <a:sym typeface="Calibri"/>
+              </a:rPr>
+              <a:t>Organização e Arquitetura de Computadores</a:t>
+            </a:r>
+          </a:p>
+        </p:txBody>
+      </p:sp>
+      <p:pic>
+        <p:nvPicPr>
+          <p:cNvPr id="2" name="Imagem 1"/>
+          <p:cNvPicPr>
+            <a:picLocks noChangeAspect="1"/>
+          </p:cNvPicPr>
+          <p:nvPr/>
+        </p:nvPicPr>
+        <p:blipFill>
+          <a:blip r:embed="rId3"/>
+          <a:stretch>
+            <a:fillRect/>
+          </a:stretch>
+        </p:blipFill>
+        <p:spPr>
+          <a:xfrm>
+            <a:off x="567049" y="386197"/>
+            <a:ext cx="7805055" cy="4352057"/>
+          </a:xfrm>
+          <a:prstGeom prst="rect">
+            <a:avLst/>
+          </a:prstGeom>
+        </p:spPr>
+      </p:pic>
+    </p:spTree>
+    <p:extLst>
+      <p:ext uri="{BB962C8B-B14F-4D97-AF65-F5344CB8AC3E}">
+        <p14:creationId xmlns:p14="http://schemas.microsoft.com/office/powerpoint/2010/main" val="4239353040"/>
+      </p:ext>
+    </p:extLst>
+  </p:cSld>
+  <p:clrMapOvr>
+    <a:masterClrMapping/>
+  </p:clrMapOvr>
+  <p:transition spd="slow">
+    <p:fade thruBlk="1"/>
+  </p:transition>
+</p:sld>
+</file>
+
+<file path=ppt/slides/slide19.xml><?xml version="1.0" encoding="utf-8"?>
+<p:sld xmlns:a="http://schemas.openxmlformats.org/drawingml/2006/main" xmlns:r="http://schemas.openxmlformats.org/officeDocument/2006/relationships" xmlns:p="http://schemas.openxmlformats.org/presentationml/2006/main">
+  <p:cSld>
+    <p:spTree>
+      <p:nvGrpSpPr>
+        <p:cNvPr id="1" name="Shape 174"/>
+        <p:cNvGrpSpPr/>
+        <p:nvPr/>
+      </p:nvGrpSpPr>
+      <p:grpSpPr>
+        <a:xfrm>
+          <a:off x="0" y="0"/>
+          <a:ext cx="0" cy="0"/>
+          <a:chOff x="0" y="0"/>
+          <a:chExt cx="0" cy="0"/>
+        </a:xfrm>
+      </p:grpSpPr>
+      <p:sp>
+        <p:nvSpPr>
+          <p:cNvPr id="24" name="Google Shape;213;p22"/>
+          <p:cNvSpPr/>
+          <p:nvPr/>
+        </p:nvSpPr>
+        <p:spPr>
+          <a:xfrm>
+            <a:off x="567049" y="0"/>
+            <a:ext cx="7908736" cy="326700"/>
+          </a:xfrm>
+          <a:prstGeom prst="rect">
+            <a:avLst/>
+          </a:prstGeom>
+          <a:solidFill>
+            <a:schemeClr val="accent1"/>
+          </a:solidFill>
+          <a:ln w="12700" cap="flat" cmpd="sng">
+            <a:solidFill>
+              <a:srgbClr val="517E33"/>
+            </a:solidFill>
+            <a:prstDash val="solid"/>
+            <a:miter lim="800000"/>
+            <a:headEnd type="none" w="sm" len="sm"/>
+            <a:tailEnd type="none" w="sm" len="sm"/>
+          </a:ln>
+        </p:spPr>
+        <p:txBody>
+          <a:bodyPr spcFirstLastPara="1" wrap="square" lIns="91425" tIns="45700" rIns="91425" bIns="45700" anchor="ctr" anchorCtr="0">
+            <a:noAutofit/>
+          </a:bodyPr>
+          <a:lstStyle/>
+          <a:p>
+            <a:pPr lvl="0" algn="ctr"/>
+            <a:r>
+              <a:rPr lang="pt-BR" sz="2800" dirty="0">
+                <a:solidFill>
+                  <a:schemeClr val="lt1"/>
+                </a:solidFill>
+                <a:latin typeface="Calibri"/>
+                <a:ea typeface="Calibri"/>
+                <a:cs typeface="Calibri"/>
+                <a:sym typeface="Calibri"/>
+              </a:rPr>
+              <a:t>Organização e Arquitetura de Computadores</a:t>
+            </a:r>
+          </a:p>
+        </p:txBody>
+      </p:sp>
+      <p:pic>
+        <p:nvPicPr>
+          <p:cNvPr id="3" name="Imagem 2"/>
+          <p:cNvPicPr>
+            <a:picLocks noChangeAspect="1"/>
+          </p:cNvPicPr>
+          <p:nvPr/>
+        </p:nvPicPr>
+        <p:blipFill>
+          <a:blip r:embed="rId3"/>
+          <a:stretch>
+            <a:fillRect/>
+          </a:stretch>
+        </p:blipFill>
+        <p:spPr>
+          <a:xfrm>
+            <a:off x="760022" y="439387"/>
+            <a:ext cx="7524262" cy="4251366"/>
+          </a:xfrm>
+          <a:prstGeom prst="rect">
+            <a:avLst/>
+          </a:prstGeom>
+        </p:spPr>
+      </p:pic>
+    </p:spTree>
+    <p:extLst>
+      <p:ext uri="{BB962C8B-B14F-4D97-AF65-F5344CB8AC3E}">
+        <p14:creationId xmlns:p14="http://schemas.microsoft.com/office/powerpoint/2010/main" val="3522779213"/>
+      </p:ext>
+    </p:extLst>
+  </p:cSld>
+  <p:clrMapOvr>
+    <a:masterClrMapping/>
+  </p:clrMapOvr>
+  <p:transition spd="slow">
+    <p:fade thruBlk="1"/>
+  </p:transition>
+</p:sld>
+</file>
+
 <file path=ppt/slides/slide2.xml><?xml version="1.0" encoding="utf-8"?>
 <p:sld xmlns:a="http://schemas.openxmlformats.org/drawingml/2006/main" xmlns:r="http://schemas.openxmlformats.org/officeDocument/2006/relationships" xmlns:p="http://schemas.openxmlformats.org/presentationml/2006/main">
   <p:cSld>
@@ -13271,18 +17561,33 @@
               </a:rPr>
               <a:t>Organização e Arquitetura de Computadores</a:t>
             </a:r>
-            <a:endParaRPr lang="pt-BR" sz="2800" dirty="0">
-              <a:solidFill>
-                <a:schemeClr val="lt1"/>
-              </a:solidFill>
-              <a:latin typeface="Calibri"/>
-              <a:ea typeface="Calibri"/>
-              <a:cs typeface="Calibri"/>
-              <a:sym typeface="Calibri"/>
-            </a:endParaRPr>
           </a:p>
         </p:txBody>
       </p:sp>
+      <p:pic>
+        <p:nvPicPr>
+          <p:cNvPr id="2" name="Imagem 1"/>
+          <p:cNvPicPr>
+            <a:picLocks noChangeAspect="1"/>
+          </p:cNvPicPr>
+          <p:nvPr/>
+        </p:nvPicPr>
+        <p:blipFill>
+          <a:blip r:embed="rId3"/>
+          <a:stretch>
+            <a:fillRect/>
+          </a:stretch>
+        </p:blipFill>
+        <p:spPr>
+          <a:xfrm>
+            <a:off x="688769" y="398221"/>
+            <a:ext cx="7671460" cy="4304408"/>
+          </a:xfrm>
+          <a:prstGeom prst="rect">
+            <a:avLst/>
+          </a:prstGeom>
+        </p:spPr>
+      </p:pic>
     </p:spTree>
     <p:extLst>
       <p:ext uri="{BB962C8B-B14F-4D97-AF65-F5344CB8AC3E}">
@@ -13299,7 +17604,219 @@
 </p:sld>
 </file>
 
-<file path=ppt/slides/slide3.xml><?xml version="1.0" encoding="utf-8"?>
+<file path=ppt/slides/slide20.xml><?xml version="1.0" encoding="utf-8"?>
+<p:sld xmlns:a="http://schemas.openxmlformats.org/drawingml/2006/main" xmlns:r="http://schemas.openxmlformats.org/officeDocument/2006/relationships" xmlns:p="http://schemas.openxmlformats.org/presentationml/2006/main">
+  <p:cSld>
+    <p:spTree>
+      <p:nvGrpSpPr>
+        <p:cNvPr id="1" name="Shape 174"/>
+        <p:cNvGrpSpPr/>
+        <p:nvPr/>
+      </p:nvGrpSpPr>
+      <p:grpSpPr>
+        <a:xfrm>
+          <a:off x="0" y="0"/>
+          <a:ext cx="0" cy="0"/>
+          <a:chOff x="0" y="0"/>
+          <a:chExt cx="0" cy="0"/>
+        </a:xfrm>
+      </p:grpSpPr>
+      <p:sp>
+        <p:nvSpPr>
+          <p:cNvPr id="24" name="Google Shape;213;p22"/>
+          <p:cNvSpPr/>
+          <p:nvPr/>
+        </p:nvSpPr>
+        <p:spPr>
+          <a:xfrm>
+            <a:off x="567049" y="0"/>
+            <a:ext cx="7908736" cy="326700"/>
+          </a:xfrm>
+          <a:prstGeom prst="rect">
+            <a:avLst/>
+          </a:prstGeom>
+          <a:solidFill>
+            <a:schemeClr val="accent1"/>
+          </a:solidFill>
+          <a:ln w="12700" cap="flat" cmpd="sng">
+            <a:solidFill>
+              <a:srgbClr val="517E33"/>
+            </a:solidFill>
+            <a:prstDash val="solid"/>
+            <a:miter lim="800000"/>
+            <a:headEnd type="none" w="sm" len="sm"/>
+            <a:tailEnd type="none" w="sm" len="sm"/>
+          </a:ln>
+        </p:spPr>
+        <p:txBody>
+          <a:bodyPr spcFirstLastPara="1" wrap="square" lIns="91425" tIns="45700" rIns="91425" bIns="45700" anchor="ctr" anchorCtr="0">
+            <a:noAutofit/>
+          </a:bodyPr>
+          <a:lstStyle/>
+          <a:p>
+            <a:pPr lvl="0" algn="ctr"/>
+            <a:r>
+              <a:rPr lang="pt-BR" sz="2800" dirty="0">
+                <a:solidFill>
+                  <a:schemeClr val="lt1"/>
+                </a:solidFill>
+                <a:latin typeface="Calibri"/>
+                <a:ea typeface="Calibri"/>
+                <a:cs typeface="Calibri"/>
+                <a:sym typeface="Calibri"/>
+              </a:rPr>
+              <a:t>Organização e Arquitetura de Computadores</a:t>
+            </a:r>
+          </a:p>
+        </p:txBody>
+      </p:sp>
+      <p:pic>
+        <p:nvPicPr>
+          <p:cNvPr id="2" name="Imagem 1"/>
+          <p:cNvPicPr>
+            <a:picLocks noChangeAspect="1"/>
+          </p:cNvPicPr>
+          <p:nvPr/>
+        </p:nvPicPr>
+        <p:blipFill>
+          <a:blip r:embed="rId3"/>
+          <a:stretch>
+            <a:fillRect/>
+          </a:stretch>
+        </p:blipFill>
+        <p:spPr>
+          <a:xfrm>
+            <a:off x="700645" y="434936"/>
+            <a:ext cx="7612082" cy="4255818"/>
+          </a:xfrm>
+          <a:prstGeom prst="rect">
+            <a:avLst/>
+          </a:prstGeom>
+        </p:spPr>
+      </p:pic>
+    </p:spTree>
+    <p:extLst>
+      <p:ext uri="{BB962C8B-B14F-4D97-AF65-F5344CB8AC3E}">
+        <p14:creationId xmlns:p14="http://schemas.microsoft.com/office/powerpoint/2010/main" val="763192764"/>
+      </p:ext>
+    </p:extLst>
+  </p:cSld>
+  <p:clrMapOvr>
+    <a:masterClrMapping/>
+  </p:clrMapOvr>
+  <p:transition spd="slow">
+    <p:fade thruBlk="1"/>
+  </p:transition>
+</p:sld>
+</file>
+
+<file path=ppt/slides/slide21.xml><?xml version="1.0" encoding="utf-8"?>
+<p:sld xmlns:a="http://schemas.openxmlformats.org/drawingml/2006/main" xmlns:r="http://schemas.openxmlformats.org/officeDocument/2006/relationships" xmlns:p="http://schemas.openxmlformats.org/presentationml/2006/main">
+  <p:cSld>
+    <p:spTree>
+      <p:nvGrpSpPr>
+        <p:cNvPr id="1" name="Shape 174"/>
+        <p:cNvGrpSpPr/>
+        <p:nvPr/>
+      </p:nvGrpSpPr>
+      <p:grpSpPr>
+        <a:xfrm>
+          <a:off x="0" y="0"/>
+          <a:ext cx="0" cy="0"/>
+          <a:chOff x="0" y="0"/>
+          <a:chExt cx="0" cy="0"/>
+        </a:xfrm>
+      </p:grpSpPr>
+      <p:sp>
+        <p:nvSpPr>
+          <p:cNvPr id="24" name="Google Shape;213;p22"/>
+          <p:cNvSpPr/>
+          <p:nvPr/>
+        </p:nvSpPr>
+        <p:spPr>
+          <a:xfrm>
+            <a:off x="567049" y="0"/>
+            <a:ext cx="7908736" cy="326700"/>
+          </a:xfrm>
+          <a:prstGeom prst="rect">
+            <a:avLst/>
+          </a:prstGeom>
+          <a:solidFill>
+            <a:schemeClr val="accent1"/>
+          </a:solidFill>
+          <a:ln w="12700" cap="flat" cmpd="sng">
+            <a:solidFill>
+              <a:srgbClr val="517E33"/>
+            </a:solidFill>
+            <a:prstDash val="solid"/>
+            <a:miter lim="800000"/>
+            <a:headEnd type="none" w="sm" len="sm"/>
+            <a:tailEnd type="none" w="sm" len="sm"/>
+          </a:ln>
+        </p:spPr>
+        <p:txBody>
+          <a:bodyPr spcFirstLastPara="1" wrap="square" lIns="91425" tIns="45700" rIns="91425" bIns="45700" anchor="ctr" anchorCtr="0">
+            <a:noAutofit/>
+          </a:bodyPr>
+          <a:lstStyle/>
+          <a:p>
+            <a:pPr lvl="0" algn="ctr"/>
+            <a:r>
+              <a:rPr lang="pt-BR" sz="2800" dirty="0">
+                <a:solidFill>
+                  <a:schemeClr val="lt1"/>
+                </a:solidFill>
+                <a:latin typeface="Calibri"/>
+                <a:ea typeface="Calibri"/>
+                <a:cs typeface="Calibri"/>
+                <a:sym typeface="Calibri"/>
+              </a:rPr>
+              <a:t>Organização e Arquitetura de Computadores</a:t>
+            </a:r>
+          </a:p>
+        </p:txBody>
+      </p:sp>
+      <p:pic>
+        <p:nvPicPr>
+          <p:cNvPr id="3" name="Imagem 2"/>
+          <p:cNvPicPr>
+            <a:picLocks noChangeAspect="1"/>
+          </p:cNvPicPr>
+          <p:nvPr/>
+        </p:nvPicPr>
+        <p:blipFill>
+          <a:blip r:embed="rId3"/>
+          <a:stretch>
+            <a:fillRect/>
+          </a:stretch>
+        </p:blipFill>
+        <p:spPr>
+          <a:xfrm>
+            <a:off x="783771" y="409103"/>
+            <a:ext cx="7445829" cy="4281650"/>
+          </a:xfrm>
+          <a:prstGeom prst="rect">
+            <a:avLst/>
+          </a:prstGeom>
+        </p:spPr>
+      </p:pic>
+    </p:spTree>
+    <p:extLst>
+      <p:ext uri="{BB962C8B-B14F-4D97-AF65-F5344CB8AC3E}">
+        <p14:creationId xmlns:p14="http://schemas.microsoft.com/office/powerpoint/2010/main" val="3712501591"/>
+      </p:ext>
+    </p:extLst>
+  </p:cSld>
+  <p:clrMapOvr>
+    <a:masterClrMapping/>
+  </p:clrMapOvr>
+  <p:transition spd="slow">
+    <p:fade thruBlk="1"/>
+  </p:transition>
+</p:sld>
+</file>
+
+<file path=ppt/slides/slide22.xml><?xml version="1.0" encoding="utf-8"?>
 <p:sld xmlns:a="http://schemas.openxmlformats.org/drawingml/2006/main" xmlns:r="http://schemas.openxmlformats.org/officeDocument/2006/relationships" xmlns:p="http://schemas.openxmlformats.org/presentationml/2006/main">
   <p:cSld>
     <p:spTree>
@@ -14136,6 +18653,748 @@
       </p:par>
     </p:tnLst>
   </p:timing>
+</p:sld>
+</file>
+
+<file path=ppt/slides/slide3.xml><?xml version="1.0" encoding="utf-8"?>
+<p:sld xmlns:a="http://schemas.openxmlformats.org/drawingml/2006/main" xmlns:r="http://schemas.openxmlformats.org/officeDocument/2006/relationships" xmlns:p="http://schemas.openxmlformats.org/presentationml/2006/main">
+  <p:cSld>
+    <p:spTree>
+      <p:nvGrpSpPr>
+        <p:cNvPr id="1" name="Shape 174"/>
+        <p:cNvGrpSpPr/>
+        <p:nvPr/>
+      </p:nvGrpSpPr>
+      <p:grpSpPr>
+        <a:xfrm>
+          <a:off x="0" y="0"/>
+          <a:ext cx="0" cy="0"/>
+          <a:chOff x="0" y="0"/>
+          <a:chExt cx="0" cy="0"/>
+        </a:xfrm>
+      </p:grpSpPr>
+      <p:sp>
+        <p:nvSpPr>
+          <p:cNvPr id="24" name="Google Shape;213;p22"/>
+          <p:cNvSpPr/>
+          <p:nvPr/>
+        </p:nvSpPr>
+        <p:spPr>
+          <a:xfrm>
+            <a:off x="567049" y="0"/>
+            <a:ext cx="7908736" cy="326700"/>
+          </a:xfrm>
+          <a:prstGeom prst="rect">
+            <a:avLst/>
+          </a:prstGeom>
+          <a:solidFill>
+            <a:schemeClr val="accent1"/>
+          </a:solidFill>
+          <a:ln w="12700" cap="flat" cmpd="sng">
+            <a:solidFill>
+              <a:srgbClr val="517E33"/>
+            </a:solidFill>
+            <a:prstDash val="solid"/>
+            <a:miter lim="800000"/>
+            <a:headEnd type="none" w="sm" len="sm"/>
+            <a:tailEnd type="none" w="sm" len="sm"/>
+          </a:ln>
+        </p:spPr>
+        <p:txBody>
+          <a:bodyPr spcFirstLastPara="1" wrap="square" lIns="91425" tIns="45700" rIns="91425" bIns="45700" anchor="ctr" anchorCtr="0">
+            <a:noAutofit/>
+          </a:bodyPr>
+          <a:lstStyle/>
+          <a:p>
+            <a:pPr lvl="0" algn="ctr"/>
+            <a:r>
+              <a:rPr lang="pt-BR" sz="2800" dirty="0">
+                <a:solidFill>
+                  <a:schemeClr val="lt1"/>
+                </a:solidFill>
+                <a:latin typeface="Calibri"/>
+                <a:ea typeface="Calibri"/>
+                <a:cs typeface="Calibri"/>
+                <a:sym typeface="Calibri"/>
+              </a:rPr>
+              <a:t>Organização e Arquitetura de Computadores</a:t>
+            </a:r>
+          </a:p>
+        </p:txBody>
+      </p:sp>
+      <p:pic>
+        <p:nvPicPr>
+          <p:cNvPr id="3" name="Imagem 2"/>
+          <p:cNvPicPr>
+            <a:picLocks noChangeAspect="1"/>
+          </p:cNvPicPr>
+          <p:nvPr/>
+        </p:nvPicPr>
+        <p:blipFill>
+          <a:blip r:embed="rId3"/>
+          <a:stretch>
+            <a:fillRect/>
+          </a:stretch>
+        </p:blipFill>
+        <p:spPr>
+          <a:xfrm>
+            <a:off x="653143" y="406020"/>
+            <a:ext cx="7671459" cy="4332856"/>
+          </a:xfrm>
+          <a:prstGeom prst="rect">
+            <a:avLst/>
+          </a:prstGeom>
+        </p:spPr>
+      </p:pic>
+    </p:spTree>
+    <p:extLst>
+      <p:ext uri="{BB962C8B-B14F-4D97-AF65-F5344CB8AC3E}">
+        <p14:creationId xmlns:p14="http://schemas.microsoft.com/office/powerpoint/2010/main" val="1127036588"/>
+      </p:ext>
+    </p:extLst>
+  </p:cSld>
+  <p:clrMapOvr>
+    <a:masterClrMapping/>
+  </p:clrMapOvr>
+  <p:transition spd="slow">
+    <p:fade thruBlk="1"/>
+  </p:transition>
+</p:sld>
+</file>
+
+<file path=ppt/slides/slide4.xml><?xml version="1.0" encoding="utf-8"?>
+<p:sld xmlns:a="http://schemas.openxmlformats.org/drawingml/2006/main" xmlns:r="http://schemas.openxmlformats.org/officeDocument/2006/relationships" xmlns:p="http://schemas.openxmlformats.org/presentationml/2006/main">
+  <p:cSld>
+    <p:spTree>
+      <p:nvGrpSpPr>
+        <p:cNvPr id="1" name="Shape 174"/>
+        <p:cNvGrpSpPr/>
+        <p:nvPr/>
+      </p:nvGrpSpPr>
+      <p:grpSpPr>
+        <a:xfrm>
+          <a:off x="0" y="0"/>
+          <a:ext cx="0" cy="0"/>
+          <a:chOff x="0" y="0"/>
+          <a:chExt cx="0" cy="0"/>
+        </a:xfrm>
+      </p:grpSpPr>
+      <p:sp>
+        <p:nvSpPr>
+          <p:cNvPr id="24" name="Google Shape;213;p22"/>
+          <p:cNvSpPr/>
+          <p:nvPr/>
+        </p:nvSpPr>
+        <p:spPr>
+          <a:xfrm>
+            <a:off x="567049" y="0"/>
+            <a:ext cx="7908736" cy="326700"/>
+          </a:xfrm>
+          <a:prstGeom prst="rect">
+            <a:avLst/>
+          </a:prstGeom>
+          <a:solidFill>
+            <a:schemeClr val="accent1"/>
+          </a:solidFill>
+          <a:ln w="12700" cap="flat" cmpd="sng">
+            <a:solidFill>
+              <a:srgbClr val="517E33"/>
+            </a:solidFill>
+            <a:prstDash val="solid"/>
+            <a:miter lim="800000"/>
+            <a:headEnd type="none" w="sm" len="sm"/>
+            <a:tailEnd type="none" w="sm" len="sm"/>
+          </a:ln>
+        </p:spPr>
+        <p:txBody>
+          <a:bodyPr spcFirstLastPara="1" wrap="square" lIns="91425" tIns="45700" rIns="91425" bIns="45700" anchor="ctr" anchorCtr="0">
+            <a:noAutofit/>
+          </a:bodyPr>
+          <a:lstStyle/>
+          <a:p>
+            <a:pPr lvl="0" algn="ctr"/>
+            <a:r>
+              <a:rPr lang="pt-BR" sz="2800" dirty="0">
+                <a:solidFill>
+                  <a:schemeClr val="lt1"/>
+                </a:solidFill>
+                <a:latin typeface="Calibri"/>
+                <a:ea typeface="Calibri"/>
+                <a:cs typeface="Calibri"/>
+                <a:sym typeface="Calibri"/>
+              </a:rPr>
+              <a:t>Organização e Arquitetura de Computadores</a:t>
+            </a:r>
+          </a:p>
+        </p:txBody>
+      </p:sp>
+      <p:pic>
+        <p:nvPicPr>
+          <p:cNvPr id="2" name="Imagem 1"/>
+          <p:cNvPicPr>
+            <a:picLocks noChangeAspect="1"/>
+          </p:cNvPicPr>
+          <p:nvPr/>
+        </p:nvPicPr>
+        <p:blipFill>
+          <a:blip r:embed="rId3"/>
+          <a:stretch>
+            <a:fillRect/>
+          </a:stretch>
+        </p:blipFill>
+        <p:spPr>
+          <a:xfrm>
+            <a:off x="567049" y="402944"/>
+            <a:ext cx="7908736" cy="4311559"/>
+          </a:xfrm>
+          <a:prstGeom prst="rect">
+            <a:avLst/>
+          </a:prstGeom>
+        </p:spPr>
+      </p:pic>
+    </p:spTree>
+    <p:extLst>
+      <p:ext uri="{BB962C8B-B14F-4D97-AF65-F5344CB8AC3E}">
+        <p14:creationId xmlns:p14="http://schemas.microsoft.com/office/powerpoint/2010/main" val="1013018209"/>
+      </p:ext>
+    </p:extLst>
+  </p:cSld>
+  <p:clrMapOvr>
+    <a:masterClrMapping/>
+  </p:clrMapOvr>
+  <p:transition spd="slow">
+    <p:fade thruBlk="1"/>
+  </p:transition>
+</p:sld>
+</file>
+
+<file path=ppt/slides/slide5.xml><?xml version="1.0" encoding="utf-8"?>
+<p:sld xmlns:a="http://schemas.openxmlformats.org/drawingml/2006/main" xmlns:r="http://schemas.openxmlformats.org/officeDocument/2006/relationships" xmlns:p="http://schemas.openxmlformats.org/presentationml/2006/main">
+  <p:cSld>
+    <p:spTree>
+      <p:nvGrpSpPr>
+        <p:cNvPr id="1" name="Shape 174"/>
+        <p:cNvGrpSpPr/>
+        <p:nvPr/>
+      </p:nvGrpSpPr>
+      <p:grpSpPr>
+        <a:xfrm>
+          <a:off x="0" y="0"/>
+          <a:ext cx="0" cy="0"/>
+          <a:chOff x="0" y="0"/>
+          <a:chExt cx="0" cy="0"/>
+        </a:xfrm>
+      </p:grpSpPr>
+      <p:sp>
+        <p:nvSpPr>
+          <p:cNvPr id="24" name="Google Shape;213;p22"/>
+          <p:cNvSpPr/>
+          <p:nvPr/>
+        </p:nvSpPr>
+        <p:spPr>
+          <a:xfrm>
+            <a:off x="567049" y="0"/>
+            <a:ext cx="7908736" cy="326700"/>
+          </a:xfrm>
+          <a:prstGeom prst="rect">
+            <a:avLst/>
+          </a:prstGeom>
+          <a:solidFill>
+            <a:schemeClr val="accent1"/>
+          </a:solidFill>
+          <a:ln w="12700" cap="flat" cmpd="sng">
+            <a:solidFill>
+              <a:srgbClr val="517E33"/>
+            </a:solidFill>
+            <a:prstDash val="solid"/>
+            <a:miter lim="800000"/>
+            <a:headEnd type="none" w="sm" len="sm"/>
+            <a:tailEnd type="none" w="sm" len="sm"/>
+          </a:ln>
+        </p:spPr>
+        <p:txBody>
+          <a:bodyPr spcFirstLastPara="1" wrap="square" lIns="91425" tIns="45700" rIns="91425" bIns="45700" anchor="ctr" anchorCtr="0">
+            <a:noAutofit/>
+          </a:bodyPr>
+          <a:lstStyle/>
+          <a:p>
+            <a:pPr lvl="0" algn="ctr"/>
+            <a:r>
+              <a:rPr lang="pt-BR" sz="2800" dirty="0">
+                <a:solidFill>
+                  <a:schemeClr val="lt1"/>
+                </a:solidFill>
+                <a:latin typeface="Calibri"/>
+                <a:ea typeface="Calibri"/>
+                <a:cs typeface="Calibri"/>
+                <a:sym typeface="Calibri"/>
+              </a:rPr>
+              <a:t>Organização e Arquitetura de Computadores</a:t>
+            </a:r>
+          </a:p>
+        </p:txBody>
+      </p:sp>
+      <p:pic>
+        <p:nvPicPr>
+          <p:cNvPr id="3" name="Imagem 2"/>
+          <p:cNvPicPr>
+            <a:picLocks noChangeAspect="1"/>
+          </p:cNvPicPr>
+          <p:nvPr/>
+        </p:nvPicPr>
+        <p:blipFill>
+          <a:blip r:embed="rId3"/>
+          <a:stretch>
+            <a:fillRect/>
+          </a:stretch>
+        </p:blipFill>
+        <p:spPr>
+          <a:xfrm>
+            <a:off x="665018" y="402959"/>
+            <a:ext cx="7647709" cy="4299669"/>
+          </a:xfrm>
+          <a:prstGeom prst="rect">
+            <a:avLst/>
+          </a:prstGeom>
+        </p:spPr>
+      </p:pic>
+    </p:spTree>
+    <p:extLst>
+      <p:ext uri="{BB962C8B-B14F-4D97-AF65-F5344CB8AC3E}">
+        <p14:creationId xmlns:p14="http://schemas.microsoft.com/office/powerpoint/2010/main" val="2712970311"/>
+      </p:ext>
+    </p:extLst>
+  </p:cSld>
+  <p:clrMapOvr>
+    <a:masterClrMapping/>
+  </p:clrMapOvr>
+  <p:transition spd="slow">
+    <p:fade thruBlk="1"/>
+  </p:transition>
+</p:sld>
+</file>
+
+<file path=ppt/slides/slide6.xml><?xml version="1.0" encoding="utf-8"?>
+<p:sld xmlns:a="http://schemas.openxmlformats.org/drawingml/2006/main" xmlns:r="http://schemas.openxmlformats.org/officeDocument/2006/relationships" xmlns:p="http://schemas.openxmlformats.org/presentationml/2006/main">
+  <p:cSld>
+    <p:spTree>
+      <p:nvGrpSpPr>
+        <p:cNvPr id="1" name="Shape 174"/>
+        <p:cNvGrpSpPr/>
+        <p:nvPr/>
+      </p:nvGrpSpPr>
+      <p:grpSpPr>
+        <a:xfrm>
+          <a:off x="0" y="0"/>
+          <a:ext cx="0" cy="0"/>
+          <a:chOff x="0" y="0"/>
+          <a:chExt cx="0" cy="0"/>
+        </a:xfrm>
+      </p:grpSpPr>
+      <p:sp>
+        <p:nvSpPr>
+          <p:cNvPr id="24" name="Google Shape;213;p22"/>
+          <p:cNvSpPr/>
+          <p:nvPr/>
+        </p:nvSpPr>
+        <p:spPr>
+          <a:xfrm>
+            <a:off x="567049" y="0"/>
+            <a:ext cx="7908736" cy="326700"/>
+          </a:xfrm>
+          <a:prstGeom prst="rect">
+            <a:avLst/>
+          </a:prstGeom>
+          <a:solidFill>
+            <a:schemeClr val="accent1"/>
+          </a:solidFill>
+          <a:ln w="12700" cap="flat" cmpd="sng">
+            <a:solidFill>
+              <a:srgbClr val="517E33"/>
+            </a:solidFill>
+            <a:prstDash val="solid"/>
+            <a:miter lim="800000"/>
+            <a:headEnd type="none" w="sm" len="sm"/>
+            <a:tailEnd type="none" w="sm" len="sm"/>
+          </a:ln>
+        </p:spPr>
+        <p:txBody>
+          <a:bodyPr spcFirstLastPara="1" wrap="square" lIns="91425" tIns="45700" rIns="91425" bIns="45700" anchor="ctr" anchorCtr="0">
+            <a:noAutofit/>
+          </a:bodyPr>
+          <a:lstStyle/>
+          <a:p>
+            <a:pPr lvl="0" algn="ctr"/>
+            <a:r>
+              <a:rPr lang="pt-BR" sz="2800" dirty="0">
+                <a:solidFill>
+                  <a:schemeClr val="lt1"/>
+                </a:solidFill>
+                <a:latin typeface="Calibri"/>
+                <a:ea typeface="Calibri"/>
+                <a:cs typeface="Calibri"/>
+                <a:sym typeface="Calibri"/>
+              </a:rPr>
+              <a:t>Organização e Arquitetura de Computadores</a:t>
+            </a:r>
+          </a:p>
+        </p:txBody>
+      </p:sp>
+      <p:pic>
+        <p:nvPicPr>
+          <p:cNvPr id="2" name="Imagem 1"/>
+          <p:cNvPicPr>
+            <a:picLocks noChangeAspect="1"/>
+          </p:cNvPicPr>
+          <p:nvPr/>
+        </p:nvPicPr>
+        <p:blipFill>
+          <a:blip r:embed="rId3"/>
+          <a:stretch>
+            <a:fillRect/>
+          </a:stretch>
+        </p:blipFill>
+        <p:spPr>
+          <a:xfrm>
+            <a:off x="567049" y="378184"/>
+            <a:ext cx="7908735" cy="4348195"/>
+          </a:xfrm>
+          <a:prstGeom prst="rect">
+            <a:avLst/>
+          </a:prstGeom>
+        </p:spPr>
+      </p:pic>
+    </p:spTree>
+    <p:extLst>
+      <p:ext uri="{BB962C8B-B14F-4D97-AF65-F5344CB8AC3E}">
+        <p14:creationId xmlns:p14="http://schemas.microsoft.com/office/powerpoint/2010/main" val="873896694"/>
+      </p:ext>
+    </p:extLst>
+  </p:cSld>
+  <p:clrMapOvr>
+    <a:masterClrMapping/>
+  </p:clrMapOvr>
+  <p:transition spd="slow">
+    <p:fade thruBlk="1"/>
+  </p:transition>
+</p:sld>
+</file>
+
+<file path=ppt/slides/slide7.xml><?xml version="1.0" encoding="utf-8"?>
+<p:sld xmlns:a="http://schemas.openxmlformats.org/drawingml/2006/main" xmlns:r="http://schemas.openxmlformats.org/officeDocument/2006/relationships" xmlns:p="http://schemas.openxmlformats.org/presentationml/2006/main">
+  <p:cSld>
+    <p:spTree>
+      <p:nvGrpSpPr>
+        <p:cNvPr id="1" name="Shape 174"/>
+        <p:cNvGrpSpPr/>
+        <p:nvPr/>
+      </p:nvGrpSpPr>
+      <p:grpSpPr>
+        <a:xfrm>
+          <a:off x="0" y="0"/>
+          <a:ext cx="0" cy="0"/>
+          <a:chOff x="0" y="0"/>
+          <a:chExt cx="0" cy="0"/>
+        </a:xfrm>
+      </p:grpSpPr>
+      <p:sp>
+        <p:nvSpPr>
+          <p:cNvPr id="24" name="Google Shape;213;p22"/>
+          <p:cNvSpPr/>
+          <p:nvPr/>
+        </p:nvSpPr>
+        <p:spPr>
+          <a:xfrm>
+            <a:off x="567049" y="0"/>
+            <a:ext cx="7908736" cy="326700"/>
+          </a:xfrm>
+          <a:prstGeom prst="rect">
+            <a:avLst/>
+          </a:prstGeom>
+          <a:solidFill>
+            <a:schemeClr val="accent1"/>
+          </a:solidFill>
+          <a:ln w="12700" cap="flat" cmpd="sng">
+            <a:solidFill>
+              <a:srgbClr val="517E33"/>
+            </a:solidFill>
+            <a:prstDash val="solid"/>
+            <a:miter lim="800000"/>
+            <a:headEnd type="none" w="sm" len="sm"/>
+            <a:tailEnd type="none" w="sm" len="sm"/>
+          </a:ln>
+        </p:spPr>
+        <p:txBody>
+          <a:bodyPr spcFirstLastPara="1" wrap="square" lIns="91425" tIns="45700" rIns="91425" bIns="45700" anchor="ctr" anchorCtr="0">
+            <a:noAutofit/>
+          </a:bodyPr>
+          <a:lstStyle/>
+          <a:p>
+            <a:pPr lvl="0" algn="ctr"/>
+            <a:r>
+              <a:rPr lang="pt-BR" sz="2800" dirty="0">
+                <a:solidFill>
+                  <a:schemeClr val="lt1"/>
+                </a:solidFill>
+                <a:latin typeface="Calibri"/>
+                <a:ea typeface="Calibri"/>
+                <a:cs typeface="Calibri"/>
+                <a:sym typeface="Calibri"/>
+              </a:rPr>
+              <a:t>Organização e Arquitetura de Computadores</a:t>
+            </a:r>
+          </a:p>
+        </p:txBody>
+      </p:sp>
+      <p:pic>
+        <p:nvPicPr>
+          <p:cNvPr id="3" name="Imagem 2"/>
+          <p:cNvPicPr>
+            <a:picLocks noChangeAspect="1"/>
+          </p:cNvPicPr>
+          <p:nvPr/>
+        </p:nvPicPr>
+        <p:blipFill>
+          <a:blip r:embed="rId3"/>
+          <a:stretch>
+            <a:fillRect/>
+          </a:stretch>
+        </p:blipFill>
+        <p:spPr>
+          <a:xfrm>
+            <a:off x="748145" y="415637"/>
+            <a:ext cx="7535969" cy="4286992"/>
+          </a:xfrm>
+          <a:prstGeom prst="rect">
+            <a:avLst/>
+          </a:prstGeom>
+        </p:spPr>
+      </p:pic>
+    </p:spTree>
+    <p:extLst>
+      <p:ext uri="{BB962C8B-B14F-4D97-AF65-F5344CB8AC3E}">
+        <p14:creationId xmlns:p14="http://schemas.microsoft.com/office/powerpoint/2010/main" val="3059313410"/>
+      </p:ext>
+    </p:extLst>
+  </p:cSld>
+  <p:clrMapOvr>
+    <a:masterClrMapping/>
+  </p:clrMapOvr>
+  <p:transition spd="slow">
+    <p:fade thruBlk="1"/>
+  </p:transition>
+</p:sld>
+</file>
+
+<file path=ppt/slides/slide8.xml><?xml version="1.0" encoding="utf-8"?>
+<p:sld xmlns:a="http://schemas.openxmlformats.org/drawingml/2006/main" xmlns:r="http://schemas.openxmlformats.org/officeDocument/2006/relationships" xmlns:p="http://schemas.openxmlformats.org/presentationml/2006/main">
+  <p:cSld>
+    <p:spTree>
+      <p:nvGrpSpPr>
+        <p:cNvPr id="1" name="Shape 174"/>
+        <p:cNvGrpSpPr/>
+        <p:nvPr/>
+      </p:nvGrpSpPr>
+      <p:grpSpPr>
+        <a:xfrm>
+          <a:off x="0" y="0"/>
+          <a:ext cx="0" cy="0"/>
+          <a:chOff x="0" y="0"/>
+          <a:chExt cx="0" cy="0"/>
+        </a:xfrm>
+      </p:grpSpPr>
+      <p:sp>
+        <p:nvSpPr>
+          <p:cNvPr id="24" name="Google Shape;213;p22"/>
+          <p:cNvSpPr/>
+          <p:nvPr/>
+        </p:nvSpPr>
+        <p:spPr>
+          <a:xfrm>
+            <a:off x="567049" y="0"/>
+            <a:ext cx="7908736" cy="326700"/>
+          </a:xfrm>
+          <a:prstGeom prst="rect">
+            <a:avLst/>
+          </a:prstGeom>
+          <a:solidFill>
+            <a:schemeClr val="accent1"/>
+          </a:solidFill>
+          <a:ln w="12700" cap="flat" cmpd="sng">
+            <a:solidFill>
+              <a:srgbClr val="517E33"/>
+            </a:solidFill>
+            <a:prstDash val="solid"/>
+            <a:miter lim="800000"/>
+            <a:headEnd type="none" w="sm" len="sm"/>
+            <a:tailEnd type="none" w="sm" len="sm"/>
+          </a:ln>
+        </p:spPr>
+        <p:txBody>
+          <a:bodyPr spcFirstLastPara="1" wrap="square" lIns="91425" tIns="45700" rIns="91425" bIns="45700" anchor="ctr" anchorCtr="0">
+            <a:noAutofit/>
+          </a:bodyPr>
+          <a:lstStyle/>
+          <a:p>
+            <a:pPr lvl="0" algn="ctr"/>
+            <a:r>
+              <a:rPr lang="pt-BR" sz="2800" dirty="0">
+                <a:solidFill>
+                  <a:schemeClr val="lt1"/>
+                </a:solidFill>
+                <a:latin typeface="Calibri"/>
+                <a:ea typeface="Calibri"/>
+                <a:cs typeface="Calibri"/>
+                <a:sym typeface="Calibri"/>
+              </a:rPr>
+              <a:t>Organização e Arquitetura de Computadores</a:t>
+            </a:r>
+          </a:p>
+        </p:txBody>
+      </p:sp>
+      <p:pic>
+        <p:nvPicPr>
+          <p:cNvPr id="2" name="Imagem 1"/>
+          <p:cNvPicPr>
+            <a:picLocks noChangeAspect="1"/>
+          </p:cNvPicPr>
+          <p:nvPr/>
+        </p:nvPicPr>
+        <p:blipFill>
+          <a:blip r:embed="rId3"/>
+          <a:stretch>
+            <a:fillRect/>
+          </a:stretch>
+        </p:blipFill>
+        <p:spPr>
+          <a:xfrm>
+            <a:off x="567049" y="372660"/>
+            <a:ext cx="7908736" cy="4341844"/>
+          </a:xfrm>
+          <a:prstGeom prst="rect">
+            <a:avLst/>
+          </a:prstGeom>
+        </p:spPr>
+      </p:pic>
+    </p:spTree>
+    <p:extLst>
+      <p:ext uri="{BB962C8B-B14F-4D97-AF65-F5344CB8AC3E}">
+        <p14:creationId xmlns:p14="http://schemas.microsoft.com/office/powerpoint/2010/main" val="3649582232"/>
+      </p:ext>
+    </p:extLst>
+  </p:cSld>
+  <p:clrMapOvr>
+    <a:masterClrMapping/>
+  </p:clrMapOvr>
+  <p:transition spd="slow">
+    <p:fade thruBlk="1"/>
+  </p:transition>
+</p:sld>
+</file>
+
+<file path=ppt/slides/slide9.xml><?xml version="1.0" encoding="utf-8"?>
+<p:sld xmlns:a="http://schemas.openxmlformats.org/drawingml/2006/main" xmlns:r="http://schemas.openxmlformats.org/officeDocument/2006/relationships" xmlns:p="http://schemas.openxmlformats.org/presentationml/2006/main">
+  <p:cSld>
+    <p:spTree>
+      <p:nvGrpSpPr>
+        <p:cNvPr id="1" name="Shape 174"/>
+        <p:cNvGrpSpPr/>
+        <p:nvPr/>
+      </p:nvGrpSpPr>
+      <p:grpSpPr>
+        <a:xfrm>
+          <a:off x="0" y="0"/>
+          <a:ext cx="0" cy="0"/>
+          <a:chOff x="0" y="0"/>
+          <a:chExt cx="0" cy="0"/>
+        </a:xfrm>
+      </p:grpSpPr>
+      <p:sp>
+        <p:nvSpPr>
+          <p:cNvPr id="24" name="Google Shape;213;p22"/>
+          <p:cNvSpPr/>
+          <p:nvPr/>
+        </p:nvSpPr>
+        <p:spPr>
+          <a:xfrm>
+            <a:off x="567049" y="0"/>
+            <a:ext cx="7908736" cy="326700"/>
+          </a:xfrm>
+          <a:prstGeom prst="rect">
+            <a:avLst/>
+          </a:prstGeom>
+          <a:solidFill>
+            <a:schemeClr val="accent1"/>
+          </a:solidFill>
+          <a:ln w="12700" cap="flat" cmpd="sng">
+            <a:solidFill>
+              <a:srgbClr val="517E33"/>
+            </a:solidFill>
+            <a:prstDash val="solid"/>
+            <a:miter lim="800000"/>
+            <a:headEnd type="none" w="sm" len="sm"/>
+            <a:tailEnd type="none" w="sm" len="sm"/>
+          </a:ln>
+        </p:spPr>
+        <p:txBody>
+          <a:bodyPr spcFirstLastPara="1" wrap="square" lIns="91425" tIns="45700" rIns="91425" bIns="45700" anchor="ctr" anchorCtr="0">
+            <a:noAutofit/>
+          </a:bodyPr>
+          <a:lstStyle/>
+          <a:p>
+            <a:pPr lvl="0" algn="ctr"/>
+            <a:r>
+              <a:rPr lang="pt-BR" sz="2800" dirty="0">
+                <a:solidFill>
+                  <a:schemeClr val="lt1"/>
+                </a:solidFill>
+                <a:latin typeface="Calibri"/>
+                <a:ea typeface="Calibri"/>
+                <a:cs typeface="Calibri"/>
+                <a:sym typeface="Calibri"/>
+              </a:rPr>
+              <a:t>Organização e Arquitetura de Computadores</a:t>
+            </a:r>
+          </a:p>
+        </p:txBody>
+      </p:sp>
+      <p:pic>
+        <p:nvPicPr>
+          <p:cNvPr id="3" name="Imagem 2"/>
+          <p:cNvPicPr>
+            <a:picLocks noChangeAspect="1"/>
+          </p:cNvPicPr>
+          <p:nvPr/>
+        </p:nvPicPr>
+        <p:blipFill>
+          <a:blip r:embed="rId3"/>
+          <a:stretch>
+            <a:fillRect/>
+          </a:stretch>
+        </p:blipFill>
+        <p:spPr>
+          <a:xfrm>
+            <a:off x="688769" y="395787"/>
+            <a:ext cx="7647709" cy="4306842"/>
+          </a:xfrm>
+          <a:prstGeom prst="rect">
+            <a:avLst/>
+          </a:prstGeom>
+        </p:spPr>
+      </p:pic>
+    </p:spTree>
+    <p:extLst>
+      <p:ext uri="{BB962C8B-B14F-4D97-AF65-F5344CB8AC3E}">
+        <p14:creationId xmlns:p14="http://schemas.microsoft.com/office/powerpoint/2010/main" val="2195460010"/>
+      </p:ext>
+    </p:extLst>
+  </p:cSld>
+  <p:clrMapOvr>
+    <a:masterClrMapping/>
+  </p:clrMapOvr>
+  <p:transition spd="slow">
+    <p:fade thruBlk="1"/>
+  </p:transition>
 </p:sld>
 </file>
 
